--- a/Lec14/Lec14.pptx
+++ b/Lec14/Lec14.pptx
@@ -5,44 +5,48 @@
     <p:sldMasterId id="2147483648" r:id="rId1"/>
   </p:sldMasterIdLst>
   <p:notesMasterIdLst>
-    <p:notesMasterId r:id="rId34"/>
+    <p:notesMasterId r:id="rId38"/>
   </p:notesMasterIdLst>
   <p:handoutMasterIdLst>
-    <p:handoutMasterId r:id="rId35"/>
+    <p:handoutMasterId r:id="rId39"/>
   </p:handoutMasterIdLst>
   <p:sldIdLst>
     <p:sldId id="414" r:id="rId2"/>
-    <p:sldId id="1081" r:id="rId3"/>
-    <p:sldId id="1220" r:id="rId4"/>
-    <p:sldId id="1221" r:id="rId5"/>
-    <p:sldId id="1222" r:id="rId6"/>
-    <p:sldId id="1223" r:id="rId7"/>
-    <p:sldId id="1229" r:id="rId8"/>
-    <p:sldId id="1230" r:id="rId9"/>
-    <p:sldId id="1224" r:id="rId10"/>
-    <p:sldId id="1225" r:id="rId11"/>
-    <p:sldId id="1226" r:id="rId12"/>
-    <p:sldId id="1227" r:id="rId13"/>
-    <p:sldId id="1228" r:id="rId14"/>
-    <p:sldId id="1219" r:id="rId15"/>
-    <p:sldId id="1231" r:id="rId16"/>
-    <p:sldId id="1232" r:id="rId17"/>
-    <p:sldId id="1211" r:id="rId18"/>
-    <p:sldId id="1233" r:id="rId19"/>
-    <p:sldId id="1234" r:id="rId20"/>
-    <p:sldId id="1235" r:id="rId21"/>
-    <p:sldId id="1236" r:id="rId22"/>
-    <p:sldId id="1237" r:id="rId23"/>
-    <p:sldId id="1238" r:id="rId24"/>
-    <p:sldId id="1240" r:id="rId25"/>
-    <p:sldId id="1239" r:id="rId26"/>
-    <p:sldId id="1241" r:id="rId27"/>
-    <p:sldId id="1212" r:id="rId28"/>
-    <p:sldId id="1245" r:id="rId29"/>
-    <p:sldId id="1242" r:id="rId30"/>
-    <p:sldId id="1243" r:id="rId31"/>
-    <p:sldId id="1244" r:id="rId32"/>
-    <p:sldId id="1248" r:id="rId33"/>
+    <p:sldId id="1220" r:id="rId3"/>
+    <p:sldId id="1250" r:id="rId4"/>
+    <p:sldId id="1251" r:id="rId5"/>
+    <p:sldId id="1252" r:id="rId6"/>
+    <p:sldId id="1081" r:id="rId7"/>
+    <p:sldId id="1249" r:id="rId8"/>
+    <p:sldId id="1221" r:id="rId9"/>
+    <p:sldId id="1222" r:id="rId10"/>
+    <p:sldId id="1223" r:id="rId11"/>
+    <p:sldId id="1229" r:id="rId12"/>
+    <p:sldId id="1230" r:id="rId13"/>
+    <p:sldId id="1224" r:id="rId14"/>
+    <p:sldId id="1225" r:id="rId15"/>
+    <p:sldId id="1226" r:id="rId16"/>
+    <p:sldId id="1227" r:id="rId17"/>
+    <p:sldId id="1228" r:id="rId18"/>
+    <p:sldId id="1219" r:id="rId19"/>
+    <p:sldId id="1231" r:id="rId20"/>
+    <p:sldId id="1232" r:id="rId21"/>
+    <p:sldId id="1211" r:id="rId22"/>
+    <p:sldId id="1233" r:id="rId23"/>
+    <p:sldId id="1234" r:id="rId24"/>
+    <p:sldId id="1235" r:id="rId25"/>
+    <p:sldId id="1236" r:id="rId26"/>
+    <p:sldId id="1237" r:id="rId27"/>
+    <p:sldId id="1238" r:id="rId28"/>
+    <p:sldId id="1240" r:id="rId29"/>
+    <p:sldId id="1239" r:id="rId30"/>
+    <p:sldId id="1241" r:id="rId31"/>
+    <p:sldId id="1212" r:id="rId32"/>
+    <p:sldId id="1245" r:id="rId33"/>
+    <p:sldId id="1242" r:id="rId34"/>
+    <p:sldId id="1243" r:id="rId35"/>
+    <p:sldId id="1244" r:id="rId36"/>
+    <p:sldId id="1248" r:id="rId37"/>
   </p:sldIdLst>
   <p:sldSz cx="12192000" cy="6858000"/>
   <p:notesSz cx="6858000" cy="9144000"/>
@@ -246,7 +250,7 @@
           <a:p>
             <a:fld id="{36B64484-7F23-844A-BCEB-06DFAD827E32}" type="datetimeFigureOut">
               <a:rPr lang="en-US" smtClean="0"/>
-              <a:t>2/24/22</a:t>
+              <a:t>2/7/23</a:t>
             </a:fld>
             <a:endParaRPr lang="en-US"/>
           </a:p>
@@ -423,7 +427,7 @@
           <a:p>
             <a:fld id="{4EBE11B0-21E1-9842-BB37-72784894B0AB}" type="datetimeFigureOut">
               <a:rPr lang="en-US" smtClean="0"/>
-              <a:t>2/24/22</a:t>
+              <a:t>2/7/23</a:t>
             </a:fld>
             <a:endParaRPr lang="en-US"/>
           </a:p>
@@ -3843,7 +3847,7 @@
             <a:pPr algn="ctr"/>
             <a:r>
               <a:rPr lang="en-US" sz="3600" dirty="0"/>
-              <a:t>CS 5/6110, Software Correctness Analysis, Spring 2022</a:t>
+              <a:t>CS 6110, Software Correctness Analysis, Spring 2023</a:t>
             </a:r>
             <a:endParaRPr lang="en-US" dirty="0"/>
           </a:p>
@@ -3921,7 +3925,7 @@
                   <a:srgbClr val="0432FF"/>
                 </a:solidFill>
               </a:rPr>
-              <a:t>Example of FOL (“classical”): Proof by contra</a:t>
+              <a:t>An example of FOL (“classical”)</a:t>
             </a:r>
           </a:p>
         </p:txBody>
@@ -3956,7 +3960,32 @@
           <a:p>
             <a:r>
               <a:rPr lang="en-US" dirty="0"/>
-              <a:t>A1: exists x : p(x) and [all y : d(y) -&gt; l(</a:t>
+              <a:t>Reminder: P,  p,  d,  q,  l are the symbols we have so far</a:t>
+            </a:r>
+          </a:p>
+          <a:p>
+            <a:r>
+              <a:rPr lang="en-US" dirty="0"/>
+              <a:t>All quantification is over “P” or people</a:t>
+            </a:r>
+          </a:p>
+          <a:p>
+            <a:pPr marL="0" indent="0">
+              <a:buNone/>
+            </a:pPr>
+            <a:endParaRPr lang="en-US" dirty="0"/>
+          </a:p>
+          <a:p>
+            <a:r>
+              <a:rPr lang="en-US" dirty="0"/>
+              <a:t>Some patients like every doctor </a:t>
+            </a:r>
+          </a:p>
+          <a:p>
+            <a:pPr lvl="1"/>
+            <a:r>
+              <a:rPr lang="en-US" dirty="0"/>
+              <a:t> exists x : p(x) and [all y : d(y) -&gt; l(</a:t>
             </a:r>
             <a:r>
               <a:rPr lang="en-US" dirty="0" err="1"/>
@@ -3964,13 +3993,24 @@
             </a:r>
             <a:r>
               <a:rPr lang="en-US" dirty="0"/>
-              <a:t>)]</a:t>
-            </a:r>
-          </a:p>
-          <a:p>
-            <a:r>
-              <a:rPr lang="en-US" dirty="0"/>
-              <a:t>A2: all </a:t>
+              <a:t>)] </a:t>
+            </a:r>
+          </a:p>
+          <a:p>
+            <a:pPr lvl="1"/>
+            <a:endParaRPr lang="en-US" dirty="0"/>
+          </a:p>
+          <a:p>
+            <a:r>
+              <a:rPr lang="en-US" dirty="0"/>
+              <a:t>No patient likes a quack  </a:t>
+            </a:r>
+          </a:p>
+          <a:p>
+            <a:pPr lvl="1"/>
+            <a:r>
+              <a:rPr lang="en-US" dirty="0"/>
+              <a:t>all </a:t>
             </a:r>
             <a:r>
               <a:rPr lang="en-US" dirty="0" err="1"/>
@@ -3990,56 +4030,20 @@
             </a:r>
           </a:p>
           <a:p>
-            <a:r>
-              <a:rPr lang="en-US" dirty="0"/>
-              <a:t>G: all x : d(x) =&gt; !q(x)</a:t>
-            </a:r>
-          </a:p>
-          <a:p>
-            <a:r>
-              <a:rPr lang="en-US" dirty="0"/>
-              <a:t>NG: exists x : d(x) &amp; q(x)</a:t>
-            </a:r>
-          </a:p>
-          <a:p>
+            <a:pPr lvl="1"/>
             <a:endParaRPr lang="en-US" dirty="0"/>
           </a:p>
           <a:p>
             <a:r>
               <a:rPr lang="en-US" dirty="0"/>
-              <a:t>A1 </a:t>
-            </a:r>
-            <a:r>
-              <a:rPr lang="en-US" dirty="0" err="1"/>
-              <a:t>skolemize</a:t>
-            </a:r>
-            <a:r>
-              <a:rPr lang="en-US" dirty="0"/>
-              <a:t> x with p0</a:t>
-            </a:r>
-          </a:p>
-          <a:p>
-            <a:r>
-              <a:rPr lang="en-US" dirty="0"/>
-              <a:t>A1sk: p(p0) and [all y : d(y) -&gt; l(p0,y)]</a:t>
-            </a:r>
-          </a:p>
-          <a:p>
-            <a:r>
-              <a:rPr lang="en-US" dirty="0" err="1"/>
-              <a:t>NGsk</a:t>
-            </a:r>
-            <a:r>
-              <a:rPr lang="en-US" dirty="0"/>
-              <a:t>: </a:t>
-            </a:r>
-            <a:r>
-              <a:rPr lang="en-US" dirty="0" err="1"/>
-              <a:t>Skolemize</a:t>
-            </a:r>
-            <a:r>
-              <a:rPr lang="en-US" dirty="0"/>
-              <a:t> NG : d(d0) &amp; q(d0)</a:t>
+              <a:t>Prove that no doctor is a quack</a:t>
+            </a:r>
+          </a:p>
+          <a:p>
+            <a:pPr lvl="1"/>
+            <a:r>
+              <a:rPr lang="en-US" dirty="0"/>
+              <a:t>Goal : prove that    all x : d(x) =&gt; !q(x)</a:t>
             </a:r>
           </a:p>
         </p:txBody>
@@ -4047,7 +4051,7 @@
     </p:spTree>
     <p:extLst>
       <p:ext uri="{BB962C8B-B14F-4D97-AF65-F5344CB8AC3E}">
-        <p14:creationId xmlns:p14="http://schemas.microsoft.com/office/powerpoint/2010/main" val="1229818268"/>
+        <p14:creationId xmlns:p14="http://schemas.microsoft.com/office/powerpoint/2010/main" val="3975498927"/>
       </p:ext>
     </p:extLst>
   </p:cSld>
@@ -4108,7 +4112,7 @@
                   <a:srgbClr val="0432FF"/>
                 </a:solidFill>
               </a:rPr>
-              <a:t>Example of FOL (“classical”): Proof by contra</a:t>
+              <a:t>An example of FOL (“classical”)</a:t>
             </a:r>
           </a:p>
         </p:txBody>
@@ -4137,13 +4141,38 @@
         </p:spPr>
         <p:txBody>
           <a:bodyPr>
-            <a:normAutofit/>
+            <a:normAutofit lnSpcReduction="10000"/>
           </a:bodyPr>
           <a:lstStyle/>
           <a:p>
             <a:r>
               <a:rPr lang="en-US" dirty="0"/>
-              <a:t>A1: exists x : p(x) and [all y : d(y) -&gt; l(</a:t>
+              <a:t>Reminder: P,  p,  d,  q,  l are the symbols we have so far</a:t>
+            </a:r>
+          </a:p>
+          <a:p>
+            <a:r>
+              <a:rPr lang="en-US" dirty="0"/>
+              <a:t>All quantification is over “P” or people</a:t>
+            </a:r>
+          </a:p>
+          <a:p>
+            <a:pPr marL="0" indent="0">
+              <a:buNone/>
+            </a:pPr>
+            <a:endParaRPr lang="en-US" dirty="0"/>
+          </a:p>
+          <a:p>
+            <a:r>
+              <a:rPr lang="en-US" dirty="0"/>
+              <a:t>Some patients like every doctor </a:t>
+            </a:r>
+          </a:p>
+          <a:p>
+            <a:pPr lvl="1"/>
+            <a:r>
+              <a:rPr lang="en-US" dirty="0"/>
+              <a:t> exists x : p(x) and [all y : d(y) -&gt; l(</a:t>
             </a:r>
             <a:r>
               <a:rPr lang="en-US" dirty="0" err="1"/>
@@ -4151,13 +4180,33 @@
             </a:r>
             <a:r>
               <a:rPr lang="en-US" dirty="0"/>
-              <a:t>)]</a:t>
-            </a:r>
-          </a:p>
-          <a:p>
-            <a:r>
-              <a:rPr lang="en-US" dirty="0"/>
-              <a:t>A2: all </a:t>
+              <a:t>)] </a:t>
+            </a:r>
+          </a:p>
+          <a:p>
+            <a:pPr lvl="2"/>
+            <a:r>
+              <a:rPr lang="en-US" dirty="0">
+                <a:sym typeface="Wingdings" pitchFamily="2" charset="2"/>
+              </a:rPr>
+              <a:t>question: Where else can we put “all y” ?</a:t>
+            </a:r>
+          </a:p>
+          <a:p>
+            <a:pPr lvl="1"/>
+            <a:endParaRPr lang="en-US" dirty="0"/>
+          </a:p>
+          <a:p>
+            <a:r>
+              <a:rPr lang="en-US" dirty="0"/>
+              <a:t>No patient likes a quack  </a:t>
+            </a:r>
+          </a:p>
+          <a:p>
+            <a:pPr lvl="1"/>
+            <a:r>
+              <a:rPr lang="en-US" dirty="0"/>
+              <a:t>all </a:t>
             </a:r>
             <a:r>
               <a:rPr lang="en-US" dirty="0" err="1"/>
@@ -4177,50 +4226,20 @@
             </a:r>
           </a:p>
           <a:p>
-            <a:r>
-              <a:rPr lang="en-US" dirty="0"/>
-              <a:t>G: all x : d(x) =&gt; !q(x)</a:t>
-            </a:r>
-          </a:p>
-          <a:p>
-            <a:r>
-              <a:rPr lang="en-US" dirty="0"/>
-              <a:t>NG: exists x : d(x) &amp; q(x)</a:t>
-            </a:r>
-          </a:p>
-          <a:p>
-            <a:r>
-              <a:rPr lang="en-US" dirty="0"/>
-              <a:t>A1sk: p(p0) and [all y : d(y) -&gt; l(p0,y)]</a:t>
-            </a:r>
-          </a:p>
-          <a:p>
-            <a:r>
-              <a:rPr lang="en-US" dirty="0" err="1"/>
-              <a:t>NGsk</a:t>
-            </a:r>
-            <a:r>
-              <a:rPr lang="en-US" dirty="0"/>
-              <a:t>: d(d0) &amp; q(d0)</a:t>
-            </a:r>
-          </a:p>
-          <a:p>
-            <a:r>
-              <a:rPr lang="en-US" dirty="0"/>
-              <a:t>A1sk with d0 specialization: p(p0) &amp; d(d0) =&gt; l(p0,d0)</a:t>
-            </a:r>
-          </a:p>
-          <a:p>
-            <a:r>
-              <a:rPr lang="en-US" dirty="0"/>
-              <a:t>Now what?</a:t>
-            </a:r>
-          </a:p>
-          <a:p>
             <a:pPr lvl="1"/>
-            <a:r>
-              <a:rPr lang="en-US" dirty="0"/>
-              <a:t>Hint : we have not used A2</a:t>
+            <a:endParaRPr lang="en-US" dirty="0"/>
+          </a:p>
+          <a:p>
+            <a:r>
+              <a:rPr lang="en-US" dirty="0"/>
+              <a:t>Prove that no doctor is a quack</a:t>
+            </a:r>
+          </a:p>
+          <a:p>
+            <a:pPr lvl="1"/>
+            <a:r>
+              <a:rPr lang="en-US" dirty="0"/>
+              <a:t>Goal : prove that    all x : d(x) =&gt; !q(x)</a:t>
             </a:r>
           </a:p>
         </p:txBody>
@@ -4228,7 +4247,7 @@
     </p:spTree>
     <p:extLst>
       <p:ext uri="{BB962C8B-B14F-4D97-AF65-F5344CB8AC3E}">
-        <p14:creationId xmlns:p14="http://schemas.microsoft.com/office/powerpoint/2010/main" val="1480784580"/>
+        <p14:creationId xmlns:p14="http://schemas.microsoft.com/office/powerpoint/2010/main" val="174195624"/>
       </p:ext>
     </p:extLst>
   </p:cSld>
@@ -4289,7 +4308,7 @@
                   <a:srgbClr val="0432FF"/>
                 </a:solidFill>
               </a:rPr>
-              <a:t>Example of FOL (“classical”): Proof by contra</a:t>
+              <a:t>An example of FOL (“classical”)</a:t>
             </a:r>
           </a:p>
         </p:txBody>
@@ -4318,13 +4337,38 @@
         </p:spPr>
         <p:txBody>
           <a:bodyPr>
-            <a:normAutofit lnSpcReduction="10000"/>
+            <a:normAutofit fontScale="92500" lnSpcReduction="20000"/>
           </a:bodyPr>
           <a:lstStyle/>
           <a:p>
             <a:r>
               <a:rPr lang="en-US" dirty="0"/>
-              <a:t>A1: exists x : p(x) and [all y : d(y) -&gt; l(</a:t>
+              <a:t>Reminder: P,  p,  d,  q,  l are the symbols we have so far</a:t>
+            </a:r>
+          </a:p>
+          <a:p>
+            <a:r>
+              <a:rPr lang="en-US" dirty="0"/>
+              <a:t>All quantification is over “P” or people</a:t>
+            </a:r>
+          </a:p>
+          <a:p>
+            <a:pPr marL="0" indent="0">
+              <a:buNone/>
+            </a:pPr>
+            <a:endParaRPr lang="en-US" dirty="0"/>
+          </a:p>
+          <a:p>
+            <a:r>
+              <a:rPr lang="en-US" dirty="0"/>
+              <a:t>Some patients like every doctor </a:t>
+            </a:r>
+          </a:p>
+          <a:p>
+            <a:pPr lvl="1"/>
+            <a:r>
+              <a:rPr lang="en-US" dirty="0"/>
+              <a:t> exists x : p(x) and [all y : d(y) -&gt; l(</a:t>
             </a:r>
             <a:r>
               <a:rPr lang="en-US" dirty="0" err="1"/>
@@ -4332,13 +4376,32 @@
             </a:r>
             <a:r>
               <a:rPr lang="en-US" dirty="0"/>
-              <a:t>)]</a:t>
-            </a:r>
-          </a:p>
-          <a:p>
-            <a:r>
-              <a:rPr lang="en-US" dirty="0"/>
-              <a:t>A2: all </a:t>
+              <a:t>)] </a:t>
+            </a:r>
+          </a:p>
+          <a:p>
+            <a:pPr lvl="2"/>
+            <a:r>
+              <a:rPr lang="en-US" dirty="0">
+                <a:sym typeface="Wingdings" pitchFamily="2" charset="2"/>
+              </a:rPr>
+              <a:t>question: Where else can we put “all y” ?</a:t>
+            </a:r>
+          </a:p>
+          <a:p>
+            <a:pPr lvl="2"/>
+            <a:r>
+              <a:rPr lang="en-US" dirty="0">
+                <a:sym typeface="Wingdings" pitchFamily="2" charset="2"/>
+              </a:rPr>
+              <a:t>Which of these “makes sense” </a:t>
+            </a:r>
+          </a:p>
+          <a:p>
+            <a:pPr lvl="3"/>
+            <a:r>
+              <a:rPr lang="en-US" dirty="0"/>
+              <a:t>exists x : all y: [ p(x) and [d(y) -&gt; l(</a:t>
             </a:r>
             <a:r>
               <a:rPr lang="en-US" dirty="0" err="1"/>
@@ -4346,7 +4409,14 @@
             </a:r>
             <a:r>
               <a:rPr lang="en-US" dirty="0"/>
-              <a:t> : [ p(x) &amp; q(y) =&gt; ! l(</a:t>
+              <a:t>) ] ]</a:t>
+            </a:r>
+          </a:p>
+          <a:p>
+            <a:pPr lvl="3"/>
+            <a:r>
+              <a:rPr lang="en-US" dirty="0"/>
+              <a:t>All y : exists x : [ p(x) and [d(y) -&gt; l(</a:t>
             </a:r>
             <a:r>
               <a:rPr lang="en-US" dirty="0" err="1"/>
@@ -4354,74 +4424,57 @@
             </a:r>
             <a:r>
               <a:rPr lang="en-US" dirty="0"/>
+              <a:t>) ] ]</a:t>
+            </a:r>
+          </a:p>
+          <a:p>
+            <a:pPr lvl="1"/>
+            <a:endParaRPr lang="en-US" dirty="0"/>
+          </a:p>
+          <a:p>
+            <a:r>
+              <a:rPr lang="en-US" dirty="0"/>
+              <a:t>No patient likes a quack  </a:t>
+            </a:r>
+          </a:p>
+          <a:p>
+            <a:pPr lvl="1"/>
+            <a:r>
+              <a:rPr lang="en-US" dirty="0"/>
+              <a:t>all </a:t>
+            </a:r>
+            <a:r>
+              <a:rPr lang="en-US" dirty="0" err="1"/>
+              <a:t>x,y</a:t>
+            </a:r>
+            <a:r>
+              <a:rPr lang="en-US" dirty="0"/>
+              <a:t> : [ p(x) &amp; q(y) =&gt; ! l(</a:t>
+            </a:r>
+            <a:r>
+              <a:rPr lang="en-US" dirty="0" err="1"/>
+              <a:t>x,y</a:t>
+            </a:r>
+            <a:r>
+              <a:rPr lang="en-US" dirty="0"/>
               <a:t>) ]</a:t>
             </a:r>
           </a:p>
           <a:p>
-            <a:r>
-              <a:rPr lang="en-US" dirty="0"/>
-              <a:t>G: all x : d(x) =&gt; !q(x)</a:t>
-            </a:r>
-          </a:p>
-          <a:p>
-            <a:r>
-              <a:rPr lang="en-US" dirty="0"/>
-              <a:t>NG: exists x : d(x) &amp; q(x)</a:t>
-            </a:r>
-          </a:p>
-          <a:p>
-            <a:r>
-              <a:rPr lang="en-US" dirty="0"/>
-              <a:t>A1sk: p(p0) and [all y : d(y) -&gt; l(p0,y)]</a:t>
-            </a:r>
-          </a:p>
-          <a:p>
-            <a:r>
-              <a:rPr lang="en-US" dirty="0" err="1"/>
-              <a:t>NGsk</a:t>
-            </a:r>
-            <a:r>
-              <a:rPr lang="en-US" dirty="0"/>
-              <a:t>: d(d0) &amp; q(d0)</a:t>
-            </a:r>
-          </a:p>
-          <a:p>
-            <a:r>
-              <a:rPr lang="en-US" dirty="0"/>
-              <a:t>A1sk with d0 specialization: p(p0) &amp; d(d0) =&gt; l(p0,d0)</a:t>
-            </a:r>
-          </a:p>
-          <a:p>
-            <a:r>
-              <a:rPr lang="en-US" dirty="0"/>
-              <a:t>Now what?</a:t>
-            </a:r>
-          </a:p>
-          <a:p>
             <a:pPr lvl="1"/>
-            <a:r>
-              <a:rPr lang="en-US" dirty="0"/>
-              <a:t>Hint : we have not used A2</a:t>
-            </a:r>
-          </a:p>
-          <a:p>
-            <a:r>
-              <a:rPr lang="en-US" dirty="0"/>
-              <a:t>A2sp with p0 and d0: p(p0) &amp; q(d0) =&gt; !l(p0,d0)</a:t>
+            <a:endParaRPr lang="en-US" dirty="0"/>
+          </a:p>
+          <a:p>
+            <a:r>
+              <a:rPr lang="en-US" dirty="0"/>
+              <a:t>Prove that no doctor is a quack</a:t>
             </a:r>
           </a:p>
           <a:p>
             <a:pPr lvl="1"/>
             <a:r>
               <a:rPr lang="en-US" dirty="0"/>
-              <a:t>Do you smell the contradiction?</a:t>
-            </a:r>
-          </a:p>
-          <a:p>
-            <a:pPr lvl="1"/>
-            <a:r>
-              <a:rPr lang="en-US" dirty="0"/>
-              <a:t>How to finish?</a:t>
+              <a:t>Goal : prove that    all x : d(x) =&gt; !q(x)</a:t>
             </a:r>
           </a:p>
         </p:txBody>
@@ -4429,7 +4482,7 @@
     </p:spTree>
     <p:extLst>
       <p:ext uri="{BB962C8B-B14F-4D97-AF65-F5344CB8AC3E}">
-        <p14:creationId xmlns:p14="http://schemas.microsoft.com/office/powerpoint/2010/main" val="3145534277"/>
+        <p14:creationId xmlns:p14="http://schemas.microsoft.com/office/powerpoint/2010/main" val="4190752794"/>
       </p:ext>
     </p:extLst>
   </p:cSld>
@@ -4519,7 +4572,7 @@
         </p:spPr>
         <p:txBody>
           <a:bodyPr>
-            <a:normAutofit lnSpcReduction="10000"/>
+            <a:normAutofit/>
           </a:bodyPr>
           <a:lstStyle/>
           <a:p>
@@ -4567,61 +4620,30 @@
           <a:p>
             <a:r>
               <a:rPr lang="en-US" dirty="0"/>
-              <a:t>NG: exists x : d(x) &amp; q(x)</a:t>
+              <a:t>NG: …give it a shot…</a:t>
+            </a:r>
+          </a:p>
+          <a:p>
+            <a:endParaRPr lang="en-US" dirty="0"/>
+          </a:p>
+          <a:p>
+            <a:r>
+              <a:rPr lang="en-US" dirty="0"/>
+              <a:t>A1 </a:t>
+            </a:r>
+            <a:r>
+              <a:rPr lang="en-US" dirty="0" err="1"/>
+              <a:t>skolemize</a:t>
+            </a:r>
+            <a:r>
+              <a:rPr lang="en-US" dirty="0"/>
+              <a:t> x with p0</a:t>
             </a:r>
           </a:p>
           <a:p>
             <a:r>
               <a:rPr lang="en-US" dirty="0"/>
               <a:t>A1sk: p(p0) and [all y : d(y) -&gt; l(p0,y)]</a:t>
-            </a:r>
-          </a:p>
-          <a:p>
-            <a:r>
-              <a:rPr lang="en-US" dirty="0" err="1"/>
-              <a:t>NGsk</a:t>
-            </a:r>
-            <a:r>
-              <a:rPr lang="en-US" dirty="0"/>
-              <a:t>: d(d0) &amp; q(d0)</a:t>
-            </a:r>
-          </a:p>
-          <a:p>
-            <a:r>
-              <a:rPr lang="en-US" dirty="0"/>
-              <a:t>A1sk with d0 specialization: (A1sk’): p(p0) &amp; [ d(d0) =&gt; l(p0,d0) ]</a:t>
-            </a:r>
-          </a:p>
-          <a:p>
-            <a:r>
-              <a:rPr lang="en-US" dirty="0"/>
-              <a:t>Now what?</a:t>
-            </a:r>
-          </a:p>
-          <a:p>
-            <a:r>
-              <a:rPr lang="en-US" dirty="0"/>
-              <a:t>A2sp with p0 and d0: p(p0) &amp; q(d0) =&gt; !l(p0,d0)</a:t>
-            </a:r>
-          </a:p>
-          <a:p>
-            <a:r>
-              <a:rPr lang="en-US" dirty="0"/>
-              <a:t>MP of A1sk’ and </a:t>
-            </a:r>
-            <a:r>
-              <a:rPr lang="en-US" dirty="0" err="1"/>
-              <a:t>NGsk</a:t>
-            </a:r>
-            <a:r>
-              <a:rPr lang="en-US" dirty="0"/>
-              <a:t> : l(p0,d0)</a:t>
-            </a:r>
-          </a:p>
-          <a:p>
-            <a:r>
-              <a:rPr lang="en-US" dirty="0"/>
-              <a:t>Contra of !l(p0,d0) and l(p0,d0)</a:t>
             </a:r>
           </a:p>
         </p:txBody>
@@ -4629,7 +4651,7 @@
     </p:spTree>
     <p:extLst>
       <p:ext uri="{BB962C8B-B14F-4D97-AF65-F5344CB8AC3E}">
-        <p14:creationId xmlns:p14="http://schemas.microsoft.com/office/powerpoint/2010/main" val="534195294"/>
+        <p14:creationId xmlns:p14="http://schemas.microsoft.com/office/powerpoint/2010/main" val="3698819707"/>
       </p:ext>
     </p:extLst>
   </p:cSld>
@@ -4675,12 +4697,12 @@
         <p:spPr>
           <a:xfrm>
             <a:off x="838200" y="365126"/>
-            <a:ext cx="10996246" cy="1831422"/>
+            <a:ext cx="10996246" cy="618286"/>
           </a:xfrm>
         </p:spPr>
         <p:txBody>
           <a:bodyPr>
-            <a:normAutofit/>
+            <a:normAutofit fontScale="90000"/>
           </a:bodyPr>
           <a:lstStyle/>
           <a:p>
@@ -4690,22 +4712,7 @@
                   <a:srgbClr val="0432FF"/>
                 </a:solidFill>
               </a:rPr>
-              <a:t>Lecture 14 : First-Order Logic</a:t>
-            </a:r>
-            <a:br>
-              <a:rPr lang="en-US" dirty="0">
-                <a:solidFill>
-                  <a:srgbClr val="0432FF"/>
-                </a:solidFill>
-              </a:rPr>
-            </a:br>
-            <a:r>
-              <a:rPr lang="en-US" dirty="0">
-                <a:solidFill>
-                  <a:srgbClr val="0432FF"/>
-                </a:solidFill>
-              </a:rPr>
-              <a:t>aka predicate logic : Basics</a:t>
+              <a:t>Example of FOL (“classical”): Proof by contra</a:t>
             </a:r>
           </a:p>
         </p:txBody>
@@ -4728,8 +4735,8 @@
         </p:nvSpPr>
         <p:spPr>
           <a:xfrm>
-            <a:off x="838200" y="2385390"/>
-            <a:ext cx="10996246" cy="4202979"/>
+            <a:off x="838199" y="1110343"/>
+            <a:ext cx="11198629" cy="5277394"/>
           </a:xfrm>
         </p:spPr>
         <p:txBody>
@@ -4740,68 +4747,90 @@
           <a:p>
             <a:r>
               <a:rPr lang="en-US" dirty="0"/>
-              <a:t>There exist consistent axiomatizations of FOL</a:t>
-            </a:r>
-          </a:p>
-          <a:p>
-            <a:r>
-              <a:rPr lang="en-US" dirty="0"/>
-              <a:t>There exist complete axiomatizations of FOL</a:t>
-            </a:r>
-          </a:p>
-          <a:p>
-            <a:r>
-              <a:rPr lang="en-US" dirty="0"/>
-              <a:t>FOL is only semi-decidable</a:t>
-            </a:r>
-          </a:p>
-          <a:p>
-            <a:pPr lvl="1"/>
-            <a:r>
-              <a:rPr lang="en-US" dirty="0"/>
-              <a:t>Only procedures exist for deciding validity </a:t>
-            </a:r>
-          </a:p>
-          <a:p>
-            <a:pPr lvl="2"/>
-            <a:r>
-              <a:rPr lang="en-US" dirty="0"/>
-              <a:t>No algorithms</a:t>
-            </a:r>
-          </a:p>
-          <a:p>
-            <a:pPr lvl="3"/>
-            <a:r>
-              <a:rPr lang="en-US" dirty="0"/>
-              <a:t>No TMs that don’t loop</a:t>
-            </a:r>
-          </a:p>
-          <a:p>
-            <a:pPr lvl="1"/>
-            <a:r>
-              <a:rPr lang="en-US" dirty="0"/>
-              <a:t>Semi-algorithms exist because of completeness</a:t>
-            </a:r>
-          </a:p>
-          <a:p>
-            <a:pPr lvl="2"/>
-            <a:r>
-              <a:rPr lang="en-US" dirty="0"/>
-              <a:t>If indeed valid (true), there is a proof</a:t>
-            </a:r>
-          </a:p>
-          <a:p>
-            <a:pPr lvl="2"/>
-            <a:r>
-              <a:rPr lang="en-US" dirty="0"/>
-              <a:t>And we can discover the proof </a:t>
-            </a:r>
-          </a:p>
-          <a:p>
-            <a:pPr lvl="3"/>
-            <a:r>
-              <a:rPr lang="en-US" dirty="0"/>
-              <a:t>via systematic enumeration of all legal inference sequences</a:t>
+              <a:t>A1: exists x : p(x) and [all y : d(y) -&gt; l(</a:t>
+            </a:r>
+            <a:r>
+              <a:rPr lang="en-US" dirty="0" err="1"/>
+              <a:t>x,y</a:t>
+            </a:r>
+            <a:r>
+              <a:rPr lang="en-US" dirty="0"/>
+              <a:t>)]</a:t>
+            </a:r>
+          </a:p>
+          <a:p>
+            <a:r>
+              <a:rPr lang="en-US" dirty="0"/>
+              <a:t>A2: all </a:t>
+            </a:r>
+            <a:r>
+              <a:rPr lang="en-US" dirty="0" err="1"/>
+              <a:t>x,y</a:t>
+            </a:r>
+            <a:r>
+              <a:rPr lang="en-US" dirty="0"/>
+              <a:t> : [ p(x) &amp; q(y) =&gt; ! l(</a:t>
+            </a:r>
+            <a:r>
+              <a:rPr lang="en-US" dirty="0" err="1"/>
+              <a:t>x,y</a:t>
+            </a:r>
+            <a:r>
+              <a:rPr lang="en-US" dirty="0"/>
+              <a:t>) ]</a:t>
+            </a:r>
+          </a:p>
+          <a:p>
+            <a:r>
+              <a:rPr lang="en-US" dirty="0"/>
+              <a:t>G: all x : d(x) =&gt; !q(x)</a:t>
+            </a:r>
+          </a:p>
+          <a:p>
+            <a:r>
+              <a:rPr lang="en-US" dirty="0"/>
+              <a:t>NG: exists x : d(x) &amp; q(x)</a:t>
+            </a:r>
+          </a:p>
+          <a:p>
+            <a:endParaRPr lang="en-US" dirty="0"/>
+          </a:p>
+          <a:p>
+            <a:r>
+              <a:rPr lang="en-US" dirty="0"/>
+              <a:t>A1 </a:t>
+            </a:r>
+            <a:r>
+              <a:rPr lang="en-US" dirty="0" err="1"/>
+              <a:t>skolemize</a:t>
+            </a:r>
+            <a:r>
+              <a:rPr lang="en-US" dirty="0"/>
+              <a:t> x with p0</a:t>
+            </a:r>
+          </a:p>
+          <a:p>
+            <a:r>
+              <a:rPr lang="en-US" dirty="0"/>
+              <a:t>A1sk: p(p0) and [all y : d(y) -&gt; l(p0,y)]</a:t>
+            </a:r>
+          </a:p>
+          <a:p>
+            <a:r>
+              <a:rPr lang="en-US" dirty="0" err="1"/>
+              <a:t>NGsk</a:t>
+            </a:r>
+            <a:r>
+              <a:rPr lang="en-US" dirty="0"/>
+              <a:t>: </a:t>
+            </a:r>
+            <a:r>
+              <a:rPr lang="en-US" dirty="0" err="1"/>
+              <a:t>Skolemize</a:t>
+            </a:r>
+            <a:r>
+              <a:rPr lang="en-US" dirty="0"/>
+              <a:t> NG : d(d0) &amp; q(d0)</a:t>
             </a:r>
           </a:p>
         </p:txBody>
@@ -4809,7 +4838,7 @@
     </p:spTree>
     <p:extLst>
       <p:ext uri="{BB962C8B-B14F-4D97-AF65-F5344CB8AC3E}">
-        <p14:creationId xmlns:p14="http://schemas.microsoft.com/office/powerpoint/2010/main" val="24635226"/>
+        <p14:creationId xmlns:p14="http://schemas.microsoft.com/office/powerpoint/2010/main" val="1229818268"/>
       </p:ext>
     </p:extLst>
   </p:cSld>
@@ -4870,7 +4899,7 @@
                   <a:srgbClr val="0432FF"/>
                 </a:solidFill>
               </a:rPr>
-              <a:t>Encoding the “doctor/quack theorem” in Alloy</a:t>
+              <a:t>Example of FOL (“classical”): Proof by contra</a:t>
             </a:r>
           </a:p>
         </p:txBody>
@@ -4905,22 +4934,84 @@
           <a:p>
             <a:r>
               <a:rPr lang="en-US" dirty="0"/>
-              <a:t>What all FOL concepts are involved?</a:t>
-            </a:r>
-          </a:p>
-          <a:p>
-            <a:endParaRPr lang="en-US" dirty="0"/>
-          </a:p>
-          <a:p>
-            <a:endParaRPr lang="en-US" dirty="0"/>
-          </a:p>
-          <a:p>
-            <a:endParaRPr lang="en-US" dirty="0"/>
-          </a:p>
-          <a:p>
-            <a:r>
-              <a:rPr lang="en-US" dirty="0"/>
-              <a:t>How to encode each of them in Alloy?</a:t>
+              <a:t>A1: exists x : p(x) and [all y : d(y) -&gt; l(</a:t>
+            </a:r>
+            <a:r>
+              <a:rPr lang="en-US" dirty="0" err="1"/>
+              <a:t>x,y</a:t>
+            </a:r>
+            <a:r>
+              <a:rPr lang="en-US" dirty="0"/>
+              <a:t>)]</a:t>
+            </a:r>
+          </a:p>
+          <a:p>
+            <a:r>
+              <a:rPr lang="en-US" dirty="0"/>
+              <a:t>A2: all </a:t>
+            </a:r>
+            <a:r>
+              <a:rPr lang="en-US" dirty="0" err="1"/>
+              <a:t>x,y</a:t>
+            </a:r>
+            <a:r>
+              <a:rPr lang="en-US" dirty="0"/>
+              <a:t> : [ p(x) &amp; q(y) =&gt; ! l(</a:t>
+            </a:r>
+            <a:r>
+              <a:rPr lang="en-US" dirty="0" err="1"/>
+              <a:t>x,y</a:t>
+            </a:r>
+            <a:r>
+              <a:rPr lang="en-US" dirty="0"/>
+              <a:t>) ]</a:t>
+            </a:r>
+          </a:p>
+          <a:p>
+            <a:r>
+              <a:rPr lang="en-US" dirty="0"/>
+              <a:t>G: all x : d(x) =&gt; !q(x)</a:t>
+            </a:r>
+          </a:p>
+          <a:p>
+            <a:r>
+              <a:rPr lang="en-US" dirty="0"/>
+              <a:t>NG: exists x : d(x) &amp; q(x)</a:t>
+            </a:r>
+          </a:p>
+          <a:p>
+            <a:r>
+              <a:rPr lang="en-US" dirty="0"/>
+              <a:t>A1sk: p(p0) and [all y : d(y) -&gt; l(p0,y)]</a:t>
+            </a:r>
+          </a:p>
+          <a:p>
+            <a:r>
+              <a:rPr lang="en-US" dirty="0" err="1"/>
+              <a:t>NGsk</a:t>
+            </a:r>
+            <a:r>
+              <a:rPr lang="en-US" dirty="0"/>
+              <a:t>: d(d0) &amp; q(d0)</a:t>
+            </a:r>
+          </a:p>
+          <a:p>
+            <a:r>
+              <a:rPr lang="en-US" dirty="0"/>
+              <a:t>A1sk with d0 specialization: p(p0) &amp; d(d0) =&gt; l(p0,d0)</a:t>
+            </a:r>
+          </a:p>
+          <a:p>
+            <a:r>
+              <a:rPr lang="en-US" dirty="0"/>
+              <a:t>Now what?</a:t>
+            </a:r>
+          </a:p>
+          <a:p>
+            <a:pPr lvl="1"/>
+            <a:r>
+              <a:rPr lang="en-US" dirty="0"/>
+              <a:t>Hint : we have not used A2</a:t>
             </a:r>
           </a:p>
         </p:txBody>
@@ -4928,7 +5019,7 @@
     </p:spTree>
     <p:extLst>
       <p:ext uri="{BB962C8B-B14F-4D97-AF65-F5344CB8AC3E}">
-        <p14:creationId xmlns:p14="http://schemas.microsoft.com/office/powerpoint/2010/main" val="125547467"/>
+        <p14:creationId xmlns:p14="http://schemas.microsoft.com/office/powerpoint/2010/main" val="1480784580"/>
       </p:ext>
     </p:extLst>
   </p:cSld>
@@ -4989,7 +5080,7 @@
                   <a:srgbClr val="0432FF"/>
                 </a:solidFill>
               </a:rPr>
-              <a:t>Encoding the “doctor/quack theorem” in Alloy</a:t>
+              <a:t>Example of FOL (“classical”): Proof by contra</a:t>
             </a:r>
           </a:p>
         </p:txBody>
@@ -5018,154 +5109,110 @@
         </p:spPr>
         <p:txBody>
           <a:bodyPr>
-            <a:normAutofit fontScale="92500" lnSpcReduction="10000"/>
+            <a:normAutofit lnSpcReduction="10000"/>
           </a:bodyPr>
           <a:lstStyle/>
           <a:p>
             <a:r>
               <a:rPr lang="en-US" dirty="0"/>
-              <a:t>What all FOL concepts are involved?</a:t>
+              <a:t>A1: exists x : p(x) and [all y : d(y) -&gt; l(</a:t>
+            </a:r>
+            <a:r>
+              <a:rPr lang="en-US" dirty="0" err="1"/>
+              <a:t>x,y</a:t>
+            </a:r>
+            <a:r>
+              <a:rPr lang="en-US" dirty="0"/>
+              <a:t>)]</a:t>
+            </a:r>
+          </a:p>
+          <a:p>
+            <a:r>
+              <a:rPr lang="en-US" dirty="0"/>
+              <a:t>A2: all </a:t>
+            </a:r>
+            <a:r>
+              <a:rPr lang="en-US" dirty="0" err="1"/>
+              <a:t>x,y</a:t>
+            </a:r>
+            <a:r>
+              <a:rPr lang="en-US" dirty="0"/>
+              <a:t> : [ p(x) &amp; q(y) =&gt; ! l(</a:t>
+            </a:r>
+            <a:r>
+              <a:rPr lang="en-US" dirty="0" err="1"/>
+              <a:t>x,y</a:t>
+            </a:r>
+            <a:r>
+              <a:rPr lang="en-US" dirty="0"/>
+              <a:t>) ]</a:t>
+            </a:r>
+          </a:p>
+          <a:p>
+            <a:r>
+              <a:rPr lang="en-US" dirty="0"/>
+              <a:t>G: all x : d(x) =&gt; !q(x)</a:t>
+            </a:r>
+          </a:p>
+          <a:p>
+            <a:r>
+              <a:rPr lang="en-US" dirty="0"/>
+              <a:t>NG: exists x : d(x) &amp; q(x)</a:t>
+            </a:r>
+          </a:p>
+          <a:p>
+            <a:r>
+              <a:rPr lang="en-US" dirty="0"/>
+              <a:t>A1sk: p(p0) and [all y : d(y) -&gt; l(p0,y)]</a:t>
+            </a:r>
+          </a:p>
+          <a:p>
+            <a:r>
+              <a:rPr lang="en-US" dirty="0" err="1"/>
+              <a:t>NGsk</a:t>
+            </a:r>
+            <a:r>
+              <a:rPr lang="en-US" dirty="0"/>
+              <a:t>: d(d0) &amp; q(d0)</a:t>
+            </a:r>
+          </a:p>
+          <a:p>
+            <a:r>
+              <a:rPr lang="en-US" dirty="0"/>
+              <a:t>A1sk with d0 specialization: p(p0) &amp; d(d0) =&gt; l(p0,d0)</a:t>
+            </a:r>
+          </a:p>
+          <a:p>
+            <a:r>
+              <a:rPr lang="en-US" dirty="0"/>
+              <a:t>Now what?</a:t>
             </a:r>
           </a:p>
           <a:p>
             <a:pPr lvl="1"/>
             <a:r>
               <a:rPr lang="en-US" dirty="0"/>
-              <a:t>Propositional variables</a:t>
-            </a:r>
-          </a:p>
-          <a:p>
-            <a:pPr lvl="2"/>
-            <a:r>
-              <a:rPr lang="en-US" dirty="0"/>
-              <a:t>Zero-</a:t>
-            </a:r>
-            <a:r>
-              <a:rPr lang="en-US" dirty="0" err="1"/>
-              <a:t>ary</a:t>
-            </a:r>
-            <a:r>
-              <a:rPr lang="en-US" dirty="0"/>
-              <a:t> predicates</a:t>
+              <a:t>Hint : we have not used A2</a:t>
+            </a:r>
+          </a:p>
+          <a:p>
+            <a:r>
+              <a:rPr lang="en-US" dirty="0"/>
+              <a:t>A2sp with p0 and d0: p(p0) &amp; q(d0) =&gt; !l(p0,d0)</a:t>
             </a:r>
           </a:p>
           <a:p>
             <a:pPr lvl="1"/>
             <a:r>
               <a:rPr lang="en-US" dirty="0"/>
-              <a:t>Predicates of higher arity</a:t>
-            </a:r>
-          </a:p>
-          <a:p>
-            <a:pPr lvl="2"/>
-            <a:r>
-              <a:rPr lang="en-US" dirty="0"/>
-              <a:t>One-</a:t>
-            </a:r>
-            <a:r>
-              <a:rPr lang="en-US" dirty="0" err="1"/>
-              <a:t>ary</a:t>
-            </a:r>
-            <a:r>
-              <a:rPr lang="en-US" dirty="0"/>
-              <a:t> predicates (or subsets of the universe in most cases)</a:t>
-            </a:r>
-          </a:p>
-          <a:p>
-            <a:pPr lvl="2"/>
-            <a:r>
-              <a:rPr lang="en-US" dirty="0"/>
-              <a:t>Two-</a:t>
-            </a:r>
-            <a:r>
-              <a:rPr lang="en-US" dirty="0" err="1"/>
-              <a:t>ary</a:t>
-            </a:r>
-            <a:r>
-              <a:rPr lang="en-US" dirty="0"/>
-              <a:t> predicates (pairs over U)</a:t>
+              <a:t>Do you smell the contradiction?</a:t>
             </a:r>
           </a:p>
           <a:p>
             <a:pPr lvl="1"/>
             <a:r>
               <a:rPr lang="en-US" dirty="0"/>
-              <a:t>Zero-</a:t>
-            </a:r>
-            <a:r>
-              <a:rPr lang="en-US" dirty="0" err="1"/>
-              <a:t>ary</a:t>
-            </a:r>
-            <a:r>
-              <a:rPr lang="en-US" dirty="0"/>
-              <a:t> functions</a:t>
-            </a:r>
-          </a:p>
-          <a:p>
-            <a:pPr lvl="2"/>
-            <a:r>
-              <a:rPr lang="en-US" dirty="0"/>
-              <a:t>Or constants in various value domains</a:t>
-            </a:r>
-          </a:p>
-          <a:p>
-            <a:pPr lvl="1"/>
-            <a:r>
-              <a:rPr lang="en-US" dirty="0"/>
-              <a:t>One-</a:t>
-            </a:r>
-            <a:r>
-              <a:rPr lang="en-US" dirty="0" err="1"/>
-              <a:t>ary</a:t>
-            </a:r>
-            <a:r>
-              <a:rPr lang="en-US" dirty="0"/>
-              <a:t> and higher-arity functions</a:t>
-            </a:r>
-          </a:p>
-          <a:p>
-            <a:endParaRPr lang="en-US" dirty="0"/>
-          </a:p>
-          <a:p>
-            <a:r>
-              <a:rPr lang="en-US" dirty="0"/>
-              <a:t>How to encode each of them in Alloy?</a:t>
-            </a:r>
-          </a:p>
-          <a:p>
-            <a:pPr lvl="1"/>
-            <a:r>
-              <a:rPr lang="en-US" dirty="0"/>
-              <a:t>We will study how the encoding goes for the doctor/quack theorem</a:t>
-            </a:r>
-          </a:p>
-          <a:p>
-            <a:pPr lvl="1"/>
-            <a:r>
-              <a:rPr lang="en-US" dirty="0"/>
-              <a:t>Then we will study how to encode general FOL concepts using Alloy</a:t>
-            </a:r>
-          </a:p>
-          <a:p>
-            <a:pPr lvl="2"/>
-            <a:r>
-              <a:rPr lang="en-US" dirty="0"/>
-              <a:t>Again, for bounded-model proofs</a:t>
-            </a:r>
-          </a:p>
-          <a:p>
-            <a:pPr lvl="1"/>
-            <a:r>
-              <a:rPr lang="en-US" dirty="0"/>
-              <a:t>Look at Alloy-Constructs-and-</a:t>
-            </a:r>
-            <a:r>
-              <a:rPr lang="en-US" dirty="0" err="1"/>
-              <a:t>Usage.txt</a:t>
-            </a:r>
-            <a:r>
-              <a:rPr lang="en-US" dirty="0"/>
-              <a:t> for a quick overview</a:t>
+              <a:t>How to finish?</a:t>
             </a:r>
           </a:p>
         </p:txBody>
@@ -5173,7 +5220,7 @@
     </p:spTree>
     <p:extLst>
       <p:ext uri="{BB962C8B-B14F-4D97-AF65-F5344CB8AC3E}">
-        <p14:creationId xmlns:p14="http://schemas.microsoft.com/office/powerpoint/2010/main" val="4039061082"/>
+        <p14:creationId xmlns:p14="http://schemas.microsoft.com/office/powerpoint/2010/main" val="3145534277"/>
       </p:ext>
     </p:extLst>
   </p:cSld>
@@ -5234,45 +5281,146 @@
                   <a:srgbClr val="0432FF"/>
                 </a:solidFill>
               </a:rPr>
-              <a:t>Alloy doctors/quacks encoding</a:t>
-            </a:r>
-          </a:p>
-        </p:txBody>
-      </p:sp>
-      <p:pic>
-        <p:nvPicPr>
-          <p:cNvPr id="4" name="Picture 3">
+              <a:t>Example of FOL (“classical”): Proof by contra</a:t>
+            </a:r>
+          </a:p>
+        </p:txBody>
+      </p:sp>
+      <p:sp>
+        <p:nvSpPr>
+          <p:cNvPr id="5" name="Content Placeholder 4">
             <a:extLst>
               <a:ext uri="{FF2B5EF4-FFF2-40B4-BE49-F238E27FC236}">
-                <a16:creationId xmlns:a16="http://schemas.microsoft.com/office/drawing/2014/main" id="{A25B6CD9-0856-2A42-86DB-0411B06ADEA4}"/>
+                <a16:creationId xmlns:a16="http://schemas.microsoft.com/office/drawing/2014/main" id="{DF3F1E47-1B9F-404D-8957-365322731F51}"/>
               </a:ext>
             </a:extLst>
           </p:cNvPr>
-          <p:cNvPicPr>
-            <a:picLocks noChangeAspect="1"/>
-          </p:cNvPicPr>
-          <p:nvPr/>
-        </p:nvPicPr>
-        <p:blipFill>
-          <a:blip r:embed="rId2"/>
-          <a:stretch>
-            <a:fillRect/>
-          </a:stretch>
-        </p:blipFill>
-        <p:spPr>
-          <a:xfrm>
-            <a:off x="2324100" y="3028950"/>
-            <a:ext cx="7543800" cy="800100"/>
-          </a:xfrm>
-          <a:prstGeom prst="rect">
-            <a:avLst/>
-          </a:prstGeom>
-        </p:spPr>
-      </p:pic>
+          <p:cNvSpPr>
+            <a:spLocks noGrp="1"/>
+          </p:cNvSpPr>
+          <p:nvPr>
+            <p:ph idx="1"/>
+          </p:nvPr>
+        </p:nvSpPr>
+        <p:spPr>
+          <a:xfrm>
+            <a:off x="838199" y="1110343"/>
+            <a:ext cx="11198629" cy="5277394"/>
+          </a:xfrm>
+        </p:spPr>
+        <p:txBody>
+          <a:bodyPr>
+            <a:normAutofit lnSpcReduction="10000"/>
+          </a:bodyPr>
+          <a:lstStyle/>
+          <a:p>
+            <a:r>
+              <a:rPr lang="en-US" dirty="0"/>
+              <a:t>A1: exists x : p(x) and [all y : d(y) -&gt; l(</a:t>
+            </a:r>
+            <a:r>
+              <a:rPr lang="en-US" dirty="0" err="1"/>
+              <a:t>x,y</a:t>
+            </a:r>
+            <a:r>
+              <a:rPr lang="en-US" dirty="0"/>
+              <a:t>)]</a:t>
+            </a:r>
+          </a:p>
+          <a:p>
+            <a:r>
+              <a:rPr lang="en-US" dirty="0"/>
+              <a:t>A2: all </a:t>
+            </a:r>
+            <a:r>
+              <a:rPr lang="en-US" dirty="0" err="1"/>
+              <a:t>x,y</a:t>
+            </a:r>
+            <a:r>
+              <a:rPr lang="en-US" dirty="0"/>
+              <a:t> : [ p(x) &amp; q(y) =&gt; ! l(</a:t>
+            </a:r>
+            <a:r>
+              <a:rPr lang="en-US" dirty="0" err="1"/>
+              <a:t>x,y</a:t>
+            </a:r>
+            <a:r>
+              <a:rPr lang="en-US" dirty="0"/>
+              <a:t>) ]</a:t>
+            </a:r>
+          </a:p>
+          <a:p>
+            <a:r>
+              <a:rPr lang="en-US" dirty="0"/>
+              <a:t>G: all x : d(x) =&gt; !q(x)</a:t>
+            </a:r>
+          </a:p>
+          <a:p>
+            <a:r>
+              <a:rPr lang="en-US" dirty="0"/>
+              <a:t>NG: exists x : d(x) &amp; q(x)</a:t>
+            </a:r>
+          </a:p>
+          <a:p>
+            <a:r>
+              <a:rPr lang="en-US" dirty="0"/>
+              <a:t>A1sk: p(p0) and [all y : d(y) -&gt; l(p0,y)]</a:t>
+            </a:r>
+          </a:p>
+          <a:p>
+            <a:r>
+              <a:rPr lang="en-US" dirty="0" err="1"/>
+              <a:t>NGsk</a:t>
+            </a:r>
+            <a:r>
+              <a:rPr lang="en-US" dirty="0"/>
+              <a:t>: d(d0) &amp; q(d0)</a:t>
+            </a:r>
+          </a:p>
+          <a:p>
+            <a:r>
+              <a:rPr lang="en-US" dirty="0"/>
+              <a:t>A1sk with d0 specialization: (A1sk’): p(p0) &amp; [ d(d0) =&gt; l(p0,d0) ]</a:t>
+            </a:r>
+          </a:p>
+          <a:p>
+            <a:r>
+              <a:rPr lang="en-US" dirty="0"/>
+              <a:t>Now what?</a:t>
+            </a:r>
+          </a:p>
+          <a:p>
+            <a:r>
+              <a:rPr lang="en-US" dirty="0"/>
+              <a:t>A2sp with p0 and d0: p(p0) &amp; q(d0) =&gt; !l(p0,d0)</a:t>
+            </a:r>
+          </a:p>
+          <a:p>
+            <a:r>
+              <a:rPr lang="en-US" dirty="0"/>
+              <a:t>MP of A1sk’ and </a:t>
+            </a:r>
+            <a:r>
+              <a:rPr lang="en-US" dirty="0" err="1"/>
+              <a:t>NGsk</a:t>
+            </a:r>
+            <a:r>
+              <a:rPr lang="en-US" dirty="0"/>
+              <a:t> : l(p0,d0)</a:t>
+            </a:r>
+          </a:p>
+          <a:p>
+            <a:r>
+              <a:rPr lang="en-US" dirty="0"/>
+              <a:t>Contra of !l(p0,d0) and l(p0,d0)</a:t>
+            </a:r>
+          </a:p>
+        </p:txBody>
+      </p:sp>
     </p:spTree>
     <p:extLst>
       <p:ext uri="{BB962C8B-B14F-4D97-AF65-F5344CB8AC3E}">
-        <p14:creationId xmlns:p14="http://schemas.microsoft.com/office/powerpoint/2010/main" val="2317442871"/>
+        <p14:creationId xmlns:p14="http://schemas.microsoft.com/office/powerpoint/2010/main" val="534195294"/>
       </p:ext>
     </p:extLst>
   </p:cSld>
@@ -5318,12 +5466,12 @@
         <p:spPr>
           <a:xfrm>
             <a:off x="838200" y="365126"/>
-            <a:ext cx="10996246" cy="618286"/>
+            <a:ext cx="10996246" cy="1831422"/>
           </a:xfrm>
         </p:spPr>
         <p:txBody>
           <a:bodyPr>
-            <a:normAutofit fontScale="90000"/>
+            <a:normAutofit/>
           </a:bodyPr>
           <a:lstStyle/>
           <a:p>
@@ -5333,45 +5481,126 @@
                   <a:srgbClr val="0432FF"/>
                 </a:solidFill>
               </a:rPr>
-              <a:t>Alloy doctors/quacks encoding</a:t>
-            </a:r>
-          </a:p>
-        </p:txBody>
-      </p:sp>
-      <p:pic>
-        <p:nvPicPr>
-          <p:cNvPr id="4" name="Picture 3" descr="Text&#10;&#10;Description automatically generated">
+              <a:t>Lecture 14 : First-Order Logic</a:t>
+            </a:r>
+            <a:br>
+              <a:rPr lang="en-US" dirty="0">
+                <a:solidFill>
+                  <a:srgbClr val="0432FF"/>
+                </a:solidFill>
+              </a:rPr>
+            </a:br>
+            <a:r>
+              <a:rPr lang="en-US" dirty="0">
+                <a:solidFill>
+                  <a:srgbClr val="0432FF"/>
+                </a:solidFill>
+              </a:rPr>
+              <a:t>aka predicate logic : Basics</a:t>
+            </a:r>
+          </a:p>
+        </p:txBody>
+      </p:sp>
+      <p:sp>
+        <p:nvSpPr>
+          <p:cNvPr id="5" name="Content Placeholder 4">
             <a:extLst>
               <a:ext uri="{FF2B5EF4-FFF2-40B4-BE49-F238E27FC236}">
-                <a16:creationId xmlns:a16="http://schemas.microsoft.com/office/drawing/2014/main" id="{3BA5E0EB-FC60-8948-BF20-3FC349A6D1FB}"/>
+                <a16:creationId xmlns:a16="http://schemas.microsoft.com/office/drawing/2014/main" id="{DF3F1E47-1B9F-404D-8957-365322731F51}"/>
               </a:ext>
             </a:extLst>
           </p:cNvPr>
-          <p:cNvPicPr>
-            <a:picLocks noChangeAspect="1"/>
-          </p:cNvPicPr>
-          <p:nvPr/>
-        </p:nvPicPr>
-        <p:blipFill>
-          <a:blip r:embed="rId2"/>
-          <a:stretch>
-            <a:fillRect/>
-          </a:stretch>
-        </p:blipFill>
-        <p:spPr>
-          <a:xfrm>
-            <a:off x="1073150" y="2400300"/>
-            <a:ext cx="10045700" cy="2057400"/>
-          </a:xfrm>
-          <a:prstGeom prst="rect">
-            <a:avLst/>
-          </a:prstGeom>
-        </p:spPr>
-      </p:pic>
+          <p:cNvSpPr>
+            <a:spLocks noGrp="1"/>
+          </p:cNvSpPr>
+          <p:nvPr>
+            <p:ph idx="1"/>
+          </p:nvPr>
+        </p:nvSpPr>
+        <p:spPr>
+          <a:xfrm>
+            <a:off x="838200" y="2385390"/>
+            <a:ext cx="10996246" cy="4202979"/>
+          </a:xfrm>
+        </p:spPr>
+        <p:txBody>
+          <a:bodyPr>
+            <a:normAutofit/>
+          </a:bodyPr>
+          <a:lstStyle/>
+          <a:p>
+            <a:r>
+              <a:rPr lang="en-US" dirty="0"/>
+              <a:t>There exist consistent axiomatizations of FOL</a:t>
+            </a:r>
+          </a:p>
+          <a:p>
+            <a:r>
+              <a:rPr lang="en-US" dirty="0"/>
+              <a:t>There exist complete axiomatizations of FOL</a:t>
+            </a:r>
+          </a:p>
+          <a:p>
+            <a:r>
+              <a:rPr lang="en-US" dirty="0"/>
+              <a:t>FOL is only semi-decidable</a:t>
+            </a:r>
+          </a:p>
+          <a:p>
+            <a:pPr lvl="1"/>
+            <a:r>
+              <a:rPr lang="en-US" dirty="0"/>
+              <a:t>Only procedures exist for deciding validity </a:t>
+            </a:r>
+          </a:p>
+          <a:p>
+            <a:pPr lvl="2"/>
+            <a:r>
+              <a:rPr lang="en-US" dirty="0"/>
+              <a:t>No algorithms</a:t>
+            </a:r>
+          </a:p>
+          <a:p>
+            <a:pPr lvl="3"/>
+            <a:r>
+              <a:rPr lang="en-US" dirty="0"/>
+              <a:t>No TMs that don’t loop</a:t>
+            </a:r>
+          </a:p>
+          <a:p>
+            <a:pPr lvl="1"/>
+            <a:r>
+              <a:rPr lang="en-US" dirty="0"/>
+              <a:t>Semi-algorithms exist because of completeness</a:t>
+            </a:r>
+          </a:p>
+          <a:p>
+            <a:pPr lvl="2"/>
+            <a:r>
+              <a:rPr lang="en-US" dirty="0"/>
+              <a:t>If indeed valid (true), there is a proof</a:t>
+            </a:r>
+          </a:p>
+          <a:p>
+            <a:pPr lvl="2"/>
+            <a:r>
+              <a:rPr lang="en-US" dirty="0"/>
+              <a:t>And we can discover the proof </a:t>
+            </a:r>
+          </a:p>
+          <a:p>
+            <a:pPr lvl="3"/>
+            <a:r>
+              <a:rPr lang="en-US" dirty="0"/>
+              <a:t>via systematic enumeration of all legal inference sequences</a:t>
+            </a:r>
+          </a:p>
+        </p:txBody>
+      </p:sp>
     </p:spTree>
     <p:extLst>
       <p:ext uri="{BB962C8B-B14F-4D97-AF65-F5344CB8AC3E}">
-        <p14:creationId xmlns:p14="http://schemas.microsoft.com/office/powerpoint/2010/main" val="2303432628"/>
+        <p14:creationId xmlns:p14="http://schemas.microsoft.com/office/powerpoint/2010/main" val="24635226"/>
       </p:ext>
     </p:extLst>
   </p:cSld>
@@ -5432,45 +5661,65 @@
                   <a:srgbClr val="0432FF"/>
                 </a:solidFill>
               </a:rPr>
-              <a:t>Alloy doctors/quacks encoding</a:t>
-            </a:r>
-          </a:p>
-        </p:txBody>
-      </p:sp>
-      <p:pic>
-        <p:nvPicPr>
-          <p:cNvPr id="4" name="Picture 3" descr="Text&#10;&#10;Description automatically generated">
+              <a:t>Encoding the “doctor/quack theorem” in Alloy</a:t>
+            </a:r>
+          </a:p>
+        </p:txBody>
+      </p:sp>
+      <p:sp>
+        <p:nvSpPr>
+          <p:cNvPr id="5" name="Content Placeholder 4">
             <a:extLst>
               <a:ext uri="{FF2B5EF4-FFF2-40B4-BE49-F238E27FC236}">
-                <a16:creationId xmlns:a16="http://schemas.microsoft.com/office/drawing/2014/main" id="{88136C1A-A3E1-EB49-847B-9CDD8B0CB0C2}"/>
+                <a16:creationId xmlns:a16="http://schemas.microsoft.com/office/drawing/2014/main" id="{DF3F1E47-1B9F-404D-8957-365322731F51}"/>
               </a:ext>
             </a:extLst>
           </p:cNvPr>
-          <p:cNvPicPr>
-            <a:picLocks noChangeAspect="1"/>
-          </p:cNvPicPr>
-          <p:nvPr/>
-        </p:nvPicPr>
-        <p:blipFill>
-          <a:blip r:embed="rId2"/>
-          <a:stretch>
-            <a:fillRect/>
-          </a:stretch>
-        </p:blipFill>
-        <p:spPr>
-          <a:xfrm>
-            <a:off x="1028700" y="1828800"/>
-            <a:ext cx="10134600" cy="3200400"/>
-          </a:xfrm>
-          <a:prstGeom prst="rect">
-            <a:avLst/>
-          </a:prstGeom>
-        </p:spPr>
-      </p:pic>
+          <p:cNvSpPr>
+            <a:spLocks noGrp="1"/>
+          </p:cNvSpPr>
+          <p:nvPr>
+            <p:ph idx="1"/>
+          </p:nvPr>
+        </p:nvSpPr>
+        <p:spPr>
+          <a:xfrm>
+            <a:off x="838199" y="1110343"/>
+            <a:ext cx="11198629" cy="5277394"/>
+          </a:xfrm>
+        </p:spPr>
+        <p:txBody>
+          <a:bodyPr>
+            <a:normAutofit/>
+          </a:bodyPr>
+          <a:lstStyle/>
+          <a:p>
+            <a:r>
+              <a:rPr lang="en-US" dirty="0"/>
+              <a:t>What all FOL concepts are involved?</a:t>
+            </a:r>
+          </a:p>
+          <a:p>
+            <a:endParaRPr lang="en-US" dirty="0"/>
+          </a:p>
+          <a:p>
+            <a:endParaRPr lang="en-US" dirty="0"/>
+          </a:p>
+          <a:p>
+            <a:endParaRPr lang="en-US" dirty="0"/>
+          </a:p>
+          <a:p>
+            <a:r>
+              <a:rPr lang="en-US" dirty="0"/>
+              <a:t>How to encode each of them in Alloy?</a:t>
+            </a:r>
+          </a:p>
+        </p:txBody>
+      </p:sp>
     </p:spTree>
     <p:extLst>
       <p:ext uri="{BB962C8B-B14F-4D97-AF65-F5344CB8AC3E}">
-        <p14:creationId xmlns:p14="http://schemas.microsoft.com/office/powerpoint/2010/main" val="753545130"/>
+        <p14:creationId xmlns:p14="http://schemas.microsoft.com/office/powerpoint/2010/main" val="125547467"/>
       </p:ext>
     </p:extLst>
   </p:cSld>
@@ -5516,7 +5765,7 @@
         <p:spPr>
           <a:xfrm>
             <a:off x="838200" y="365126"/>
-            <a:ext cx="10996246" cy="964910"/>
+            <a:ext cx="10996246" cy="618286"/>
           </a:xfrm>
         </p:spPr>
         <p:txBody>
@@ -5531,22 +5780,7 @@
                   <a:srgbClr val="0432FF"/>
                 </a:solidFill>
               </a:rPr>
-              <a:t>Lecture 14 : First-Order Logic</a:t>
-            </a:r>
-            <a:br>
-              <a:rPr lang="en-US" dirty="0">
-                <a:solidFill>
-                  <a:srgbClr val="0432FF"/>
-                </a:solidFill>
-              </a:rPr>
-            </a:br>
-            <a:r>
-              <a:rPr lang="en-US" dirty="0">
-                <a:solidFill>
-                  <a:srgbClr val="0432FF"/>
-                </a:solidFill>
-              </a:rPr>
-              <a:t>aka predicate logic</a:t>
+              <a:t>Updates for 2023: Announcements</a:t>
             </a:r>
           </a:p>
         </p:txBody>
@@ -5569,8 +5803,8 @@
         </p:nvSpPr>
         <p:spPr>
           <a:xfrm>
-            <a:off x="838200" y="1496292"/>
-            <a:ext cx="10996246" cy="5237018"/>
+            <a:off x="838200" y="1110343"/>
+            <a:ext cx="10996246" cy="5277394"/>
           </a:xfrm>
         </p:spPr>
         <p:txBody>
@@ -5581,102 +5815,120 @@
           <a:p>
             <a:r>
               <a:rPr lang="en-US" dirty="0"/>
-              <a:t>Read from Bradley and Manna, Chapter 2</a:t>
-            </a:r>
-          </a:p>
-          <a:p>
-            <a:r>
-              <a:rPr lang="en-US" dirty="0"/>
-              <a:t>Practice using the files checked into this directory</a:t>
-            </a:r>
-          </a:p>
-          <a:p>
-            <a:r>
-              <a:rPr lang="en-US" dirty="0">
-                <a:solidFill>
-                  <a:srgbClr val="005493"/>
-                </a:solidFill>
-              </a:rPr>
-              <a:t>Having good implementations of SAT-checking for decidable fragments of FOL is why formal methods and rigorous software testing have suddenly become practical!</a:t>
-            </a:r>
-          </a:p>
-          <a:p>
-            <a:r>
-              <a:rPr lang="en-US" dirty="0">
-                <a:solidFill>
-                  <a:srgbClr val="005493"/>
-                </a:solidFill>
-              </a:rPr>
-              <a:t>Alloy introduces a relational logic </a:t>
+              <a:t>Finished SPIN</a:t>
             </a:r>
           </a:p>
           <a:p>
             <a:pPr lvl="1"/>
             <a:r>
-              <a:rPr lang="en-US" dirty="0">
-                <a:solidFill>
-                  <a:schemeClr val="tx1"/>
-                </a:solidFill>
-              </a:rPr>
-              <a:t>FOL expression allowed, maybe even HOL</a:t>
+              <a:rPr lang="en-US" dirty="0"/>
+              <a:t>You must all find / fix that liveness bug</a:t>
+            </a:r>
+          </a:p>
+          <a:p>
+            <a:pPr lvl="2"/>
+            <a:r>
+              <a:rPr lang="en-US" dirty="0"/>
+              <a:t>Willing to work with you</a:t>
+            </a:r>
+          </a:p>
+          <a:p>
+            <a:pPr lvl="3"/>
+            <a:r>
+              <a:rPr lang="en-US" dirty="0"/>
+              <a:t>Why pass up the experience?</a:t>
             </a:r>
           </a:p>
           <a:p>
             <a:pPr lvl="1"/>
             <a:r>
-              <a:rPr lang="en-US" dirty="0">
-                <a:solidFill>
-                  <a:schemeClr val="tx1"/>
-                </a:solidFill>
-              </a:rPr>
-              <a:t>But all “proofs” are finite-model proofs </a:t>
-            </a:r>
-          </a:p>
-          <a:p>
-            <a:r>
-              <a:rPr lang="en-US" dirty="0"/>
-              <a:t>Moral: Know relations, functions, FOL, proofs </a:t>
+              <a:rPr lang="en-US" dirty="0"/>
+              <a:t>Also finish Asg-3 well</a:t>
+            </a:r>
+          </a:p>
+          <a:p>
+            <a:pPr lvl="2"/>
+            <a:r>
+              <a:rPr lang="en-US" dirty="0"/>
+              <a:t>There is a ton you’ll learn.. Ask</a:t>
+            </a:r>
+          </a:p>
+          <a:p>
+            <a:r>
+              <a:rPr lang="en-US" dirty="0"/>
+              <a:t>Project meetings</a:t>
             </a:r>
           </a:p>
           <a:p>
             <a:pPr lvl="1"/>
             <a:r>
-              <a:rPr lang="en-US" dirty="0">
-                <a:solidFill>
-                  <a:srgbClr val="C00000"/>
-                </a:solidFill>
-              </a:rPr>
-              <a:t>To do well in software testing, specification, and correctness verification</a:t>
+              <a:rPr lang="en-US" dirty="0"/>
+              <a:t>You get free consulting from me </a:t>
+            </a:r>
+            <a:r>
+              <a:rPr lang="en-US" dirty="0">
+                <a:sym typeface="Wingdings" pitchFamily="2" charset="2"/>
+              </a:rPr>
+              <a:t> </a:t>
+            </a:r>
+          </a:p>
+          <a:p>
+            <a:pPr lvl="2"/>
+            <a:r>
+              <a:rPr lang="en-US" dirty="0">
+                <a:sym typeface="Wingdings" pitchFamily="2" charset="2"/>
+              </a:rPr>
+              <a:t>Your get it as part of your fee</a:t>
+            </a:r>
+          </a:p>
+          <a:p>
+            <a:pPr lvl="3"/>
+            <a:r>
+              <a:rPr lang="en-US" dirty="0">
+                <a:sym typeface="Wingdings" pitchFamily="2" charset="2"/>
+              </a:rPr>
+              <a:t>Can go over any material you want to learn in person (AMA or ask me anything)</a:t>
+            </a:r>
+          </a:p>
+          <a:p>
+            <a:pPr lvl="2"/>
+            <a:r>
+              <a:rPr lang="en-US" dirty="0">
+                <a:sym typeface="Wingdings" pitchFamily="2" charset="2"/>
+              </a:rPr>
+              <a:t>This is the real value-added of this class!</a:t>
             </a:r>
           </a:p>
           <a:p>
             <a:pPr lvl="1"/>
             <a:r>
               <a:rPr lang="en-US" dirty="0">
-                <a:solidFill>
-                  <a:srgbClr val="C00000"/>
-                </a:solidFill>
-              </a:rPr>
-              <a:t>“Noble bugs” a direct consequence of computability theory</a:t>
+                <a:sym typeface="Wingdings" pitchFamily="2" charset="2"/>
+              </a:rPr>
+              <a:t>Soon, only 1-1s for class, simple polls, simple quizzes, no assignments</a:t>
             </a:r>
           </a:p>
           <a:p>
             <a:pPr lvl="2"/>
             <a:r>
               <a:rPr lang="en-US" dirty="0">
-                <a:solidFill>
-                  <a:schemeClr val="tx1"/>
-                </a:solidFill>
-              </a:rPr>
-              <a:t>“Stupid bugs” arise due to the Towers of the Babel</a:t>
-            </a:r>
+                <a:sym typeface="Wingdings" pitchFamily="2" charset="2"/>
+              </a:rPr>
+              <a:t>Happens beginning after Spring Break</a:t>
+            </a:r>
+          </a:p>
+          <a:p>
+            <a:pPr marL="0" indent="0">
+              <a:buNone/>
+            </a:pPr>
+            <a:endParaRPr lang="en-US" dirty="0"/>
           </a:p>
         </p:txBody>
       </p:sp>
     </p:spTree>
     <p:extLst>
       <p:ext uri="{BB962C8B-B14F-4D97-AF65-F5344CB8AC3E}">
-        <p14:creationId xmlns:p14="http://schemas.microsoft.com/office/powerpoint/2010/main" val="1837160814"/>
+        <p14:creationId xmlns:p14="http://schemas.microsoft.com/office/powerpoint/2010/main" val="1154748912"/>
       </p:ext>
     </p:extLst>
   </p:cSld>
@@ -5737,45 +5989,191 @@
                   <a:srgbClr val="0432FF"/>
                 </a:solidFill>
               </a:rPr>
-              <a:t>Alloy doctors/quacks encoding</a:t>
-            </a:r>
-          </a:p>
-        </p:txBody>
-      </p:sp>
-      <p:pic>
-        <p:nvPicPr>
-          <p:cNvPr id="3" name="Picture 2">
+              <a:t>Encoding the “doctor/quack theorem” in Alloy</a:t>
+            </a:r>
+          </a:p>
+        </p:txBody>
+      </p:sp>
+      <p:sp>
+        <p:nvSpPr>
+          <p:cNvPr id="5" name="Content Placeholder 4">
             <a:extLst>
               <a:ext uri="{FF2B5EF4-FFF2-40B4-BE49-F238E27FC236}">
-                <a16:creationId xmlns:a16="http://schemas.microsoft.com/office/drawing/2014/main" id="{2A8322CA-D8AD-DB4A-9A89-E2349F1A51AD}"/>
+                <a16:creationId xmlns:a16="http://schemas.microsoft.com/office/drawing/2014/main" id="{DF3F1E47-1B9F-404D-8957-365322731F51}"/>
               </a:ext>
             </a:extLst>
           </p:cNvPr>
-          <p:cNvPicPr>
-            <a:picLocks noChangeAspect="1"/>
-          </p:cNvPicPr>
-          <p:nvPr/>
-        </p:nvPicPr>
-        <p:blipFill>
-          <a:blip r:embed="rId2"/>
-          <a:stretch>
-            <a:fillRect/>
-          </a:stretch>
-        </p:blipFill>
-        <p:spPr>
-          <a:xfrm>
-            <a:off x="1035050" y="1333500"/>
-            <a:ext cx="10121900" cy="4191000"/>
-          </a:xfrm>
-          <a:prstGeom prst="rect">
-            <a:avLst/>
-          </a:prstGeom>
-        </p:spPr>
-      </p:pic>
+          <p:cNvSpPr>
+            <a:spLocks noGrp="1"/>
+          </p:cNvSpPr>
+          <p:nvPr>
+            <p:ph idx="1"/>
+          </p:nvPr>
+        </p:nvSpPr>
+        <p:spPr>
+          <a:xfrm>
+            <a:off x="838199" y="1110343"/>
+            <a:ext cx="11198629" cy="5277394"/>
+          </a:xfrm>
+        </p:spPr>
+        <p:txBody>
+          <a:bodyPr>
+            <a:normAutofit fontScale="92500" lnSpcReduction="10000"/>
+          </a:bodyPr>
+          <a:lstStyle/>
+          <a:p>
+            <a:r>
+              <a:rPr lang="en-US" dirty="0"/>
+              <a:t>What all FOL concepts are involved?</a:t>
+            </a:r>
+          </a:p>
+          <a:p>
+            <a:pPr lvl="1"/>
+            <a:r>
+              <a:rPr lang="en-US" dirty="0"/>
+              <a:t>Propositional variables</a:t>
+            </a:r>
+          </a:p>
+          <a:p>
+            <a:pPr lvl="2"/>
+            <a:r>
+              <a:rPr lang="en-US" dirty="0"/>
+              <a:t>Zero-</a:t>
+            </a:r>
+            <a:r>
+              <a:rPr lang="en-US" dirty="0" err="1"/>
+              <a:t>ary</a:t>
+            </a:r>
+            <a:r>
+              <a:rPr lang="en-US" dirty="0"/>
+              <a:t> predicates</a:t>
+            </a:r>
+          </a:p>
+          <a:p>
+            <a:pPr lvl="1"/>
+            <a:r>
+              <a:rPr lang="en-US" dirty="0"/>
+              <a:t>Predicates of higher arity</a:t>
+            </a:r>
+          </a:p>
+          <a:p>
+            <a:pPr lvl="2"/>
+            <a:r>
+              <a:rPr lang="en-US" dirty="0"/>
+              <a:t>One-</a:t>
+            </a:r>
+            <a:r>
+              <a:rPr lang="en-US" dirty="0" err="1"/>
+              <a:t>ary</a:t>
+            </a:r>
+            <a:r>
+              <a:rPr lang="en-US" dirty="0"/>
+              <a:t> predicates (or subsets of the universe in most cases)</a:t>
+            </a:r>
+          </a:p>
+          <a:p>
+            <a:pPr lvl="2"/>
+            <a:r>
+              <a:rPr lang="en-US" dirty="0"/>
+              <a:t>Two-</a:t>
+            </a:r>
+            <a:r>
+              <a:rPr lang="en-US" dirty="0" err="1"/>
+              <a:t>ary</a:t>
+            </a:r>
+            <a:r>
+              <a:rPr lang="en-US" dirty="0"/>
+              <a:t> predicates (pairs over U)</a:t>
+            </a:r>
+          </a:p>
+          <a:p>
+            <a:pPr lvl="1"/>
+            <a:r>
+              <a:rPr lang="en-US" dirty="0"/>
+              <a:t>Zero-</a:t>
+            </a:r>
+            <a:r>
+              <a:rPr lang="en-US" dirty="0" err="1"/>
+              <a:t>ary</a:t>
+            </a:r>
+            <a:r>
+              <a:rPr lang="en-US" dirty="0"/>
+              <a:t> functions</a:t>
+            </a:r>
+          </a:p>
+          <a:p>
+            <a:pPr lvl="2"/>
+            <a:r>
+              <a:rPr lang="en-US" dirty="0"/>
+              <a:t>Or constants in various value domains</a:t>
+            </a:r>
+          </a:p>
+          <a:p>
+            <a:pPr lvl="1"/>
+            <a:r>
+              <a:rPr lang="en-US" dirty="0"/>
+              <a:t>One-</a:t>
+            </a:r>
+            <a:r>
+              <a:rPr lang="en-US" dirty="0" err="1"/>
+              <a:t>ary</a:t>
+            </a:r>
+            <a:r>
+              <a:rPr lang="en-US" dirty="0"/>
+              <a:t> and higher-arity functions</a:t>
+            </a:r>
+          </a:p>
+          <a:p>
+            <a:endParaRPr lang="en-US" dirty="0"/>
+          </a:p>
+          <a:p>
+            <a:r>
+              <a:rPr lang="en-US" dirty="0"/>
+              <a:t>How to encode each of them in Alloy?</a:t>
+            </a:r>
+          </a:p>
+          <a:p>
+            <a:pPr lvl="1"/>
+            <a:r>
+              <a:rPr lang="en-US" dirty="0"/>
+              <a:t>We will study how the encoding goes for the doctor/quack theorem</a:t>
+            </a:r>
+          </a:p>
+          <a:p>
+            <a:pPr lvl="1"/>
+            <a:r>
+              <a:rPr lang="en-US" dirty="0"/>
+              <a:t>Then we will study how to encode general FOL concepts using Alloy</a:t>
+            </a:r>
+          </a:p>
+          <a:p>
+            <a:pPr lvl="2"/>
+            <a:r>
+              <a:rPr lang="en-US" dirty="0"/>
+              <a:t>Again, for bounded-model proofs</a:t>
+            </a:r>
+          </a:p>
+          <a:p>
+            <a:pPr lvl="1"/>
+            <a:r>
+              <a:rPr lang="en-US" dirty="0"/>
+              <a:t>Look at Alloy-Constructs-and-</a:t>
+            </a:r>
+            <a:r>
+              <a:rPr lang="en-US" dirty="0" err="1"/>
+              <a:t>Usage.txt</a:t>
+            </a:r>
+            <a:r>
+              <a:rPr lang="en-US" dirty="0"/>
+              <a:t> for a quick overview</a:t>
+            </a:r>
+          </a:p>
+        </p:txBody>
+      </p:sp>
     </p:spTree>
     <p:extLst>
       <p:ext uri="{BB962C8B-B14F-4D97-AF65-F5344CB8AC3E}">
-        <p14:creationId xmlns:p14="http://schemas.microsoft.com/office/powerpoint/2010/main" val="468784148"/>
+        <p14:creationId xmlns:p14="http://schemas.microsoft.com/office/powerpoint/2010/main" val="4039061082"/>
       </p:ext>
     </p:extLst>
   </p:cSld>
@@ -5843,10 +6241,10 @@
       </p:sp>
       <p:pic>
         <p:nvPicPr>
-          <p:cNvPr id="3" name="Picture 2">
+          <p:cNvPr id="4" name="Picture 3">
             <a:extLst>
               <a:ext uri="{FF2B5EF4-FFF2-40B4-BE49-F238E27FC236}">
-                <a16:creationId xmlns:a16="http://schemas.microsoft.com/office/drawing/2014/main" id="{88F15671-9C3B-3B49-85E0-1A1019230B5D}"/>
+                <a16:creationId xmlns:a16="http://schemas.microsoft.com/office/drawing/2014/main" id="{A25B6CD9-0856-2A42-86DB-0411B06ADEA4}"/>
               </a:ext>
             </a:extLst>
           </p:cNvPr>
@@ -5863,8 +6261,8 @@
         </p:blipFill>
         <p:spPr>
           <a:xfrm>
-            <a:off x="1047750" y="1073725"/>
-            <a:ext cx="10096500" cy="4876800"/>
+            <a:off x="2324100" y="3028950"/>
+            <a:ext cx="7543800" cy="800100"/>
           </a:xfrm>
           <a:prstGeom prst="rect">
             <a:avLst/>
@@ -5874,7 +6272,7 @@
     </p:spTree>
     <p:extLst>
       <p:ext uri="{BB962C8B-B14F-4D97-AF65-F5344CB8AC3E}">
-        <p14:creationId xmlns:p14="http://schemas.microsoft.com/office/powerpoint/2010/main" val="827962028"/>
+        <p14:creationId xmlns:p14="http://schemas.microsoft.com/office/powerpoint/2010/main" val="2317442871"/>
       </p:ext>
     </p:extLst>
   </p:cSld>
@@ -5942,10 +6340,10 @@
       </p:sp>
       <p:pic>
         <p:nvPicPr>
-          <p:cNvPr id="3" name="Picture 2">
+          <p:cNvPr id="4" name="Picture 3" descr="Text&#10;&#10;Description automatically generated">
             <a:extLst>
               <a:ext uri="{FF2B5EF4-FFF2-40B4-BE49-F238E27FC236}">
-                <a16:creationId xmlns:a16="http://schemas.microsoft.com/office/drawing/2014/main" id="{5D919DFD-8EE8-5A4D-B6FC-69858FD71C9F}"/>
+                <a16:creationId xmlns:a16="http://schemas.microsoft.com/office/drawing/2014/main" id="{3BA5E0EB-FC60-8948-BF20-3FC349A6D1FB}"/>
               </a:ext>
             </a:extLst>
           </p:cNvPr>
@@ -5962,8 +6360,8 @@
         </p:blipFill>
         <p:spPr>
           <a:xfrm>
-            <a:off x="1098550" y="1025225"/>
-            <a:ext cx="9994900" cy="5638800"/>
+            <a:off x="1073150" y="2400300"/>
+            <a:ext cx="10045700" cy="2057400"/>
           </a:xfrm>
           <a:prstGeom prst="rect">
             <a:avLst/>
@@ -5973,7 +6371,7 @@
     </p:spTree>
     <p:extLst>
       <p:ext uri="{BB962C8B-B14F-4D97-AF65-F5344CB8AC3E}">
-        <p14:creationId xmlns:p14="http://schemas.microsoft.com/office/powerpoint/2010/main" val="4123580317"/>
+        <p14:creationId xmlns:p14="http://schemas.microsoft.com/office/powerpoint/2010/main" val="2303432628"/>
       </p:ext>
     </p:extLst>
   </p:cSld>
@@ -6018,8 +6416,8 @@
         </p:nvSpPr>
         <p:spPr>
           <a:xfrm>
-            <a:off x="838200" y="365125"/>
-            <a:ext cx="10996246" cy="6068925"/>
+            <a:off x="838200" y="365126"/>
+            <a:ext cx="10996246" cy="618286"/>
           </a:xfrm>
         </p:spPr>
         <p:txBody>
@@ -6034,158 +6432,45 @@
                   <a:srgbClr val="0432FF"/>
                 </a:solidFill>
               </a:rPr>
-              <a:t>Alloy checks asserts for validity</a:t>
-            </a:r>
-            <a:br>
-              <a:rPr lang="en-US" dirty="0">
-                <a:solidFill>
-                  <a:srgbClr val="0432FF"/>
-                </a:solidFill>
-              </a:rPr>
-            </a:br>
-            <a:r>
-              <a:rPr lang="en-US" dirty="0">
-                <a:solidFill>
-                  <a:srgbClr val="0432FF"/>
-                </a:solidFill>
-              </a:rPr>
-              <a:t>by negating them </a:t>
-            </a:r>
-            <a:br>
-              <a:rPr lang="en-US" dirty="0">
-                <a:solidFill>
-                  <a:srgbClr val="0432FF"/>
-                </a:solidFill>
-              </a:rPr>
-            </a:br>
-            <a:r>
-              <a:rPr lang="en-US" dirty="0">
-                <a:solidFill>
-                  <a:srgbClr val="0432FF"/>
-                </a:solidFill>
-              </a:rPr>
-              <a:t>and checking whether they are sat or not</a:t>
-            </a:r>
-            <a:br>
-              <a:rPr lang="en-US" dirty="0">
-                <a:solidFill>
-                  <a:srgbClr val="0432FF"/>
-                </a:solidFill>
-              </a:rPr>
-            </a:br>
-            <a:r>
-              <a:rPr lang="en-US" dirty="0">
-                <a:solidFill>
-                  <a:srgbClr val="0432FF"/>
-                </a:solidFill>
-              </a:rPr>
-              <a:t>If Sat then … ?</a:t>
-            </a:r>
-            <a:br>
-              <a:rPr lang="en-US" dirty="0">
-                <a:solidFill>
-                  <a:srgbClr val="0432FF"/>
-                </a:solidFill>
-              </a:rPr>
-            </a:br>
-            <a:r>
-              <a:rPr lang="en-US" dirty="0">
-                <a:solidFill>
-                  <a:srgbClr val="0432FF"/>
-                </a:solidFill>
-              </a:rPr>
-              <a:t>If </a:t>
-            </a:r>
-            <a:r>
-              <a:rPr lang="en-US" dirty="0" err="1">
-                <a:solidFill>
-                  <a:srgbClr val="0432FF"/>
-                </a:solidFill>
-              </a:rPr>
-              <a:t>Unsat</a:t>
-            </a:r>
-            <a:r>
-              <a:rPr lang="en-US" dirty="0">
-                <a:solidFill>
-                  <a:srgbClr val="0432FF"/>
-                </a:solidFill>
-              </a:rPr>
-              <a:t> then … ?</a:t>
-            </a:r>
-            <a:br>
-              <a:rPr lang="en-US" dirty="0">
-                <a:solidFill>
-                  <a:srgbClr val="0432FF"/>
-                </a:solidFill>
-              </a:rPr>
-            </a:br>
-            <a:br>
-              <a:rPr lang="en-US" dirty="0">
-                <a:solidFill>
-                  <a:srgbClr val="0432FF"/>
-                </a:solidFill>
-              </a:rPr>
-            </a:br>
-            <a:r>
-              <a:rPr lang="en-US" dirty="0">
-                <a:solidFill>
-                  <a:srgbClr val="0432FF"/>
-                </a:solidFill>
-              </a:rPr>
-              <a:t>Remember that any Boolean formula is</a:t>
-            </a:r>
-            <a:br>
-              <a:rPr lang="en-US" dirty="0">
-                <a:solidFill>
-                  <a:srgbClr val="0432FF"/>
-                </a:solidFill>
-              </a:rPr>
-            </a:br>
-            <a:r>
-              <a:rPr lang="en-US" dirty="0">
-                <a:solidFill>
-                  <a:srgbClr val="0432FF"/>
-                </a:solidFill>
-              </a:rPr>
-              <a:t>* Valid</a:t>
-            </a:r>
-            <a:br>
-              <a:rPr lang="en-US" dirty="0">
-                <a:solidFill>
-                  <a:srgbClr val="0432FF"/>
-                </a:solidFill>
-              </a:rPr>
-            </a:br>
-            <a:r>
-              <a:rPr lang="en-US" dirty="0">
-                <a:solidFill>
-                  <a:srgbClr val="0432FF"/>
-                </a:solidFill>
-              </a:rPr>
-              <a:t>* A contradiction (its negation is valid)</a:t>
-            </a:r>
-            <a:br>
-              <a:rPr lang="en-US" dirty="0">
-                <a:solidFill>
-                  <a:srgbClr val="0432FF"/>
-                </a:solidFill>
-              </a:rPr>
-            </a:br>
-            <a:r>
-              <a:rPr lang="en-US" dirty="0">
-                <a:solidFill>
-                  <a:srgbClr val="0432FF"/>
-                </a:solidFill>
-              </a:rPr>
-              <a:t>* Neither – it and its negation are satisfiable</a:t>
-            </a:r>
-          </a:p>
-        </p:txBody>
-      </p:sp>
+              <a:t>Alloy doctors/quacks encoding</a:t>
+            </a:r>
+          </a:p>
+        </p:txBody>
+      </p:sp>
+      <p:pic>
+        <p:nvPicPr>
+          <p:cNvPr id="4" name="Picture 3" descr="Text&#10;&#10;Description automatically generated">
+            <a:extLst>
+              <a:ext uri="{FF2B5EF4-FFF2-40B4-BE49-F238E27FC236}">
+                <a16:creationId xmlns:a16="http://schemas.microsoft.com/office/drawing/2014/main" id="{88136C1A-A3E1-EB49-847B-9CDD8B0CB0C2}"/>
+              </a:ext>
+            </a:extLst>
+          </p:cNvPr>
+          <p:cNvPicPr>
+            <a:picLocks noChangeAspect="1"/>
+          </p:cNvPicPr>
+          <p:nvPr/>
+        </p:nvPicPr>
+        <p:blipFill>
+          <a:blip r:embed="rId2"/>
+          <a:stretch>
+            <a:fillRect/>
+          </a:stretch>
+        </p:blipFill>
+        <p:spPr>
+          <a:xfrm>
+            <a:off x="1028700" y="1828800"/>
+            <a:ext cx="10134600" cy="3200400"/>
+          </a:xfrm>
+          <a:prstGeom prst="rect">
+            <a:avLst/>
+          </a:prstGeom>
+        </p:spPr>
+      </p:pic>
     </p:spTree>
     <p:extLst>
       <p:ext uri="{BB962C8B-B14F-4D97-AF65-F5344CB8AC3E}">
-        <p14:creationId xmlns:p14="http://schemas.microsoft.com/office/powerpoint/2010/main" val="2455580654"/>
+        <p14:creationId xmlns:p14="http://schemas.microsoft.com/office/powerpoint/2010/main" val="753545130"/>
       </p:ext>
     </p:extLst>
   </p:cSld>
@@ -6230,8 +6515,8 @@
         </p:nvSpPr>
         <p:spPr>
           <a:xfrm>
-            <a:off x="838200" y="365125"/>
-            <a:ext cx="11353800" cy="6301681"/>
+            <a:off x="838200" y="365126"/>
+            <a:ext cx="10996246" cy="618286"/>
           </a:xfrm>
         </p:spPr>
         <p:txBody>
@@ -6241,182 +6526,50 @@
           <a:lstStyle/>
           <a:p>
             <a:r>
-              <a:rPr lang="en-US" sz="3100" dirty="0">
+              <a:rPr lang="en-US" dirty="0">
                 <a:solidFill>
                   <a:srgbClr val="0432FF"/>
                 </a:solidFill>
               </a:rPr>
-              <a:t>Alloy checks asserts for validity</a:t>
-            </a:r>
-            <a:br>
-              <a:rPr lang="en-US" sz="3100" dirty="0">
-                <a:solidFill>
-                  <a:srgbClr val="0432FF"/>
-                </a:solidFill>
-              </a:rPr>
-            </a:br>
-            <a:r>
-              <a:rPr lang="en-US" sz="3100" dirty="0">
-                <a:solidFill>
-                  <a:srgbClr val="0432FF"/>
-                </a:solidFill>
-              </a:rPr>
-              <a:t>by negating them </a:t>
-            </a:r>
-            <a:br>
-              <a:rPr lang="en-US" sz="3100" dirty="0">
-                <a:solidFill>
-                  <a:srgbClr val="0432FF"/>
-                </a:solidFill>
-              </a:rPr>
-            </a:br>
-            <a:r>
-              <a:rPr lang="en-US" sz="3100" dirty="0">
-                <a:solidFill>
-                  <a:srgbClr val="0432FF"/>
-                </a:solidFill>
-              </a:rPr>
-              <a:t>and checking whether they are sat or not</a:t>
-            </a:r>
-            <a:br>
-              <a:rPr lang="en-US" sz="3100" dirty="0">
-                <a:solidFill>
-                  <a:srgbClr val="0432FF"/>
-                </a:solidFill>
-              </a:rPr>
-            </a:br>
-            <a:r>
-              <a:rPr lang="en-US" sz="3100" dirty="0">
-                <a:solidFill>
-                  <a:srgbClr val="0432FF"/>
-                </a:solidFill>
-              </a:rPr>
-              <a:t>If Sat then the original assertion is invalid</a:t>
-            </a:r>
-            <a:br>
-              <a:rPr lang="en-US" sz="3100" dirty="0">
-                <a:solidFill>
-                  <a:srgbClr val="0432FF"/>
-                </a:solidFill>
-              </a:rPr>
-            </a:br>
-            <a:r>
-              <a:rPr lang="en-US" sz="3100" dirty="0">
-                <a:solidFill>
-                  <a:srgbClr val="0432FF"/>
-                </a:solidFill>
-              </a:rPr>
-              <a:t>If </a:t>
-            </a:r>
-            <a:r>
-              <a:rPr lang="en-US" sz="3100" dirty="0" err="1">
-                <a:solidFill>
-                  <a:srgbClr val="0432FF"/>
-                </a:solidFill>
-              </a:rPr>
-              <a:t>Unsat</a:t>
-            </a:r>
-            <a:r>
-              <a:rPr lang="en-US" sz="3100" dirty="0">
-                <a:solidFill>
-                  <a:srgbClr val="0432FF"/>
-                </a:solidFill>
-              </a:rPr>
-              <a:t> then the original assertion is valid</a:t>
-            </a:r>
-            <a:br>
-              <a:rPr lang="en-US" dirty="0">
-                <a:solidFill>
-                  <a:srgbClr val="0432FF"/>
-                </a:solidFill>
-              </a:rPr>
-            </a:br>
-            <a:r>
-              <a:rPr lang="en-US" sz="3100" dirty="0">
-                <a:solidFill>
-                  <a:srgbClr val="C00000"/>
-                </a:solidFill>
-              </a:rPr>
-              <a:t>Just to be thorough, we will (later) do this:</a:t>
-            </a:r>
-            <a:br>
-              <a:rPr lang="en-US" sz="3100" dirty="0">
-                <a:solidFill>
-                  <a:srgbClr val="C00000"/>
-                </a:solidFill>
-              </a:rPr>
-            </a:br>
-            <a:r>
-              <a:rPr lang="en-US" sz="3100" dirty="0">
-                <a:solidFill>
-                  <a:srgbClr val="C00000"/>
-                </a:solidFill>
-              </a:rPr>
-              <a:t>* </a:t>
-            </a:r>
-            <a:r>
-              <a:rPr lang="en-US" sz="3100" dirty="0"/>
-              <a:t>Write an assertion Assn</a:t>
-            </a:r>
-            <a:br>
-              <a:rPr lang="en-US" sz="3100" dirty="0"/>
-            </a:br>
-            <a:r>
-              <a:rPr lang="en-US" sz="3100" dirty="0"/>
-              <a:t>* Write </a:t>
-            </a:r>
-            <a:r>
-              <a:rPr lang="en-US" sz="3100" dirty="0" err="1"/>
-              <a:t>negAssn</a:t>
-            </a:r>
-            <a:r>
-              <a:rPr lang="en-US" sz="3100" dirty="0"/>
-              <a:t> = !Assn</a:t>
-            </a:r>
-            <a:br>
-              <a:rPr lang="en-US" sz="3100" dirty="0"/>
-            </a:br>
-            <a:r>
-              <a:rPr lang="en-US" sz="3100" dirty="0"/>
-              <a:t>* We will check both</a:t>
-            </a:r>
-            <a:br>
-              <a:rPr lang="en-US" sz="3100" dirty="0"/>
-            </a:br>
-            <a:r>
-              <a:rPr lang="en-US" sz="3100" dirty="0"/>
-              <a:t>* If Assn’s “check” says “no counterexample, “Assn may be valid”, then ensure that !Assn is satisfiable (there is a counterexample for it)</a:t>
-            </a:r>
-            <a:br>
-              <a:rPr lang="en-US" sz="3100" dirty="0"/>
-            </a:br>
-            <a:br>
-              <a:rPr lang="en-US" sz="3100" dirty="0"/>
-            </a:br>
-            <a:r>
-              <a:rPr lang="en-US" sz="3100" dirty="0"/>
-              <a:t>BUT if both Assn and !Assn generate counterexamples, then they are </a:t>
-            </a:r>
-            <a:r>
-              <a:rPr lang="en-US" sz="3100" dirty="0">
-                <a:solidFill>
-                  <a:srgbClr val="0432FF"/>
-                </a:solidFill>
-              </a:rPr>
-              <a:t>merely satisfiable but not valid AND also not contradictions !!</a:t>
-            </a:r>
-            <a:endParaRPr lang="en-US" dirty="0">
-              <a:solidFill>
-                <a:srgbClr val="0432FF"/>
-              </a:solidFill>
-            </a:endParaRPr>
-          </a:p>
-        </p:txBody>
-      </p:sp>
+              <a:t>Alloy doctors/quacks encoding</a:t>
+            </a:r>
+          </a:p>
+        </p:txBody>
+      </p:sp>
+      <p:pic>
+        <p:nvPicPr>
+          <p:cNvPr id="3" name="Picture 2">
+            <a:extLst>
+              <a:ext uri="{FF2B5EF4-FFF2-40B4-BE49-F238E27FC236}">
+                <a16:creationId xmlns:a16="http://schemas.microsoft.com/office/drawing/2014/main" id="{2A8322CA-D8AD-DB4A-9A89-E2349F1A51AD}"/>
+              </a:ext>
+            </a:extLst>
+          </p:cNvPr>
+          <p:cNvPicPr>
+            <a:picLocks noChangeAspect="1"/>
+          </p:cNvPicPr>
+          <p:nvPr/>
+        </p:nvPicPr>
+        <p:blipFill>
+          <a:blip r:embed="rId2"/>
+          <a:stretch>
+            <a:fillRect/>
+          </a:stretch>
+        </p:blipFill>
+        <p:spPr>
+          <a:xfrm>
+            <a:off x="1035050" y="1333500"/>
+            <a:ext cx="10121900" cy="4191000"/>
+          </a:xfrm>
+          <a:prstGeom prst="rect">
+            <a:avLst/>
+          </a:prstGeom>
+        </p:spPr>
+      </p:pic>
     </p:spTree>
     <p:extLst>
       <p:ext uri="{BB962C8B-B14F-4D97-AF65-F5344CB8AC3E}">
-        <p14:creationId xmlns:p14="http://schemas.microsoft.com/office/powerpoint/2010/main" val="2972008627"/>
+        <p14:creationId xmlns:p14="http://schemas.microsoft.com/office/powerpoint/2010/main" val="468784148"/>
       </p:ext>
     </p:extLst>
   </p:cSld>
@@ -6487,7 +6640,7 @@
           <p:cNvPr id="3" name="Picture 2">
             <a:extLst>
               <a:ext uri="{FF2B5EF4-FFF2-40B4-BE49-F238E27FC236}">
-                <a16:creationId xmlns:a16="http://schemas.microsoft.com/office/drawing/2014/main" id="{C2CBC722-62D7-F942-AFCF-EF2D8682DAEA}"/>
+                <a16:creationId xmlns:a16="http://schemas.microsoft.com/office/drawing/2014/main" id="{88F15671-9C3B-3B49-85E0-1A1019230B5D}"/>
               </a:ext>
             </a:extLst>
           </p:cNvPr>
@@ -6504,8 +6657,8 @@
         </p:blipFill>
         <p:spPr>
           <a:xfrm>
-            <a:off x="1054100" y="1120158"/>
-            <a:ext cx="8547100" cy="5629891"/>
+            <a:off x="1047750" y="1073725"/>
+            <a:ext cx="10096500" cy="4876800"/>
           </a:xfrm>
           <a:prstGeom prst="rect">
             <a:avLst/>
@@ -6515,7 +6668,7 @@
     </p:spTree>
     <p:extLst>
       <p:ext uri="{BB962C8B-B14F-4D97-AF65-F5344CB8AC3E}">
-        <p14:creationId xmlns:p14="http://schemas.microsoft.com/office/powerpoint/2010/main" val="464226410"/>
+        <p14:creationId xmlns:p14="http://schemas.microsoft.com/office/powerpoint/2010/main" val="827962028"/>
       </p:ext>
     </p:extLst>
   </p:cSld>
@@ -6583,10 +6736,10 @@
       </p:sp>
       <p:pic>
         <p:nvPicPr>
-          <p:cNvPr id="5" name="Picture 4" descr="Graphical user interface, text, application&#10;&#10;Description automatically generated">
+          <p:cNvPr id="3" name="Picture 2">
             <a:extLst>
               <a:ext uri="{FF2B5EF4-FFF2-40B4-BE49-F238E27FC236}">
-                <a16:creationId xmlns:a16="http://schemas.microsoft.com/office/drawing/2014/main" id="{35C6C30E-F00F-EB48-B9A2-6AD9DF7AA444}"/>
+                <a16:creationId xmlns:a16="http://schemas.microsoft.com/office/drawing/2014/main" id="{5D919DFD-8EE8-5A4D-B6FC-69858FD71C9F}"/>
               </a:ext>
             </a:extLst>
           </p:cNvPr>
@@ -6603,82 +6756,18 @@
         </p:blipFill>
         <p:spPr>
           <a:xfrm>
-            <a:off x="838201" y="997156"/>
-            <a:ext cx="6191250" cy="5915361"/>
+            <a:off x="1098550" y="1025225"/>
+            <a:ext cx="9994900" cy="5638800"/>
           </a:xfrm>
           <a:prstGeom prst="rect">
             <a:avLst/>
           </a:prstGeom>
         </p:spPr>
       </p:pic>
-      <p:sp>
-        <p:nvSpPr>
-          <p:cNvPr id="6" name="TextBox 5">
-            <a:extLst>
-              <a:ext uri="{FF2B5EF4-FFF2-40B4-BE49-F238E27FC236}">
-                <a16:creationId xmlns:a16="http://schemas.microsoft.com/office/drawing/2014/main" id="{DC92B0E9-6E5E-664A-B43C-C91E172DF3BE}"/>
-              </a:ext>
-            </a:extLst>
-          </p:cNvPr>
-          <p:cNvSpPr txBox="1"/>
-          <p:nvPr/>
-        </p:nvSpPr>
-        <p:spPr>
-          <a:xfrm>
-            <a:off x="8610600" y="2575560"/>
-            <a:ext cx="3351367" cy="1477328"/>
-          </a:xfrm>
-          <a:prstGeom prst="rect">
-            <a:avLst/>
-          </a:prstGeom>
-          <a:noFill/>
-        </p:spPr>
-        <p:txBody>
-          <a:bodyPr wrap="none" rtlCol="0">
-            <a:spAutoFit/>
-          </a:bodyPr>
-          <a:lstStyle/>
-          <a:p>
-            <a:r>
-              <a:rPr lang="en-US" dirty="0"/>
-              <a:t>Observe that</a:t>
-            </a:r>
-          </a:p>
-          <a:p>
-            <a:r>
-              <a:rPr lang="en-US" dirty="0"/>
-              <a:t>Via </a:t>
-            </a:r>
-            <a:r>
-              <a:rPr lang="en-US" dirty="0" err="1"/>
-              <a:t>tbe</a:t>
-            </a:r>
-            <a:r>
-              <a:rPr lang="en-US" dirty="0"/>
-              <a:t> pulldown</a:t>
-            </a:r>
-          </a:p>
-          <a:p>
-            <a:endParaRPr lang="en-US" dirty="0"/>
-          </a:p>
-          <a:p>
-            <a:r>
-              <a:rPr lang="en-US" dirty="0"/>
-              <a:t>You can run any of the asserts </a:t>
-            </a:r>
-          </a:p>
-          <a:p>
-            <a:r>
-              <a:rPr lang="en-US" dirty="0"/>
-              <a:t>You’ve planted !!</a:t>
-            </a:r>
-          </a:p>
-        </p:txBody>
-      </p:sp>
     </p:spTree>
     <p:extLst>
       <p:ext uri="{BB962C8B-B14F-4D97-AF65-F5344CB8AC3E}">
-        <p14:creationId xmlns:p14="http://schemas.microsoft.com/office/powerpoint/2010/main" val="580739207"/>
+        <p14:creationId xmlns:p14="http://schemas.microsoft.com/office/powerpoint/2010/main" val="4123580317"/>
       </p:ext>
     </p:extLst>
   </p:cSld>
@@ -6723,8 +6812,8 @@
         </p:nvSpPr>
         <p:spPr>
           <a:xfrm>
-            <a:off x="838200" y="365126"/>
-            <a:ext cx="10996246" cy="6340474"/>
+            <a:off x="838200" y="365125"/>
+            <a:ext cx="10996246" cy="6068925"/>
           </a:xfrm>
         </p:spPr>
         <p:txBody>
@@ -6739,7 +6828,7 @@
                   <a:srgbClr val="0432FF"/>
                 </a:solidFill>
               </a:rPr>
-              <a:t>Excerpts from Bradley and Manna</a:t>
+              <a:t>Alloy checks asserts for validity</a:t>
             </a:r>
             <a:br>
               <a:rPr lang="en-US" dirty="0">
@@ -6754,7 +6843,68 @@
                   <a:srgbClr val="0432FF"/>
                 </a:solidFill>
               </a:rPr>
-              <a:t>No slides</a:t>
+              <a:t>by negating them </a:t>
+            </a:r>
+            <a:br>
+              <a:rPr lang="en-US" dirty="0">
+                <a:solidFill>
+                  <a:srgbClr val="0432FF"/>
+                </a:solidFill>
+              </a:rPr>
+            </a:br>
+            <a:r>
+              <a:rPr lang="en-US" dirty="0">
+                <a:solidFill>
+                  <a:srgbClr val="0432FF"/>
+                </a:solidFill>
+              </a:rPr>
+              <a:t>and checking whether they are sat or not</a:t>
+            </a:r>
+            <a:br>
+              <a:rPr lang="en-US" dirty="0">
+                <a:solidFill>
+                  <a:srgbClr val="0432FF"/>
+                </a:solidFill>
+              </a:rPr>
+            </a:br>
+            <a:r>
+              <a:rPr lang="en-US" dirty="0">
+                <a:solidFill>
+                  <a:srgbClr val="0432FF"/>
+                </a:solidFill>
+              </a:rPr>
+              <a:t>If Sat then … ?</a:t>
+            </a:r>
+            <a:br>
+              <a:rPr lang="en-US" dirty="0">
+                <a:solidFill>
+                  <a:srgbClr val="0432FF"/>
+                </a:solidFill>
+              </a:rPr>
+            </a:br>
+            <a:r>
+              <a:rPr lang="en-US" dirty="0">
+                <a:solidFill>
+                  <a:srgbClr val="0432FF"/>
+                </a:solidFill>
+              </a:rPr>
+              <a:t>If </a:t>
+            </a:r>
+            <a:r>
+              <a:rPr lang="en-US" dirty="0" err="1">
+                <a:solidFill>
+                  <a:srgbClr val="0432FF"/>
+                </a:solidFill>
+              </a:rPr>
+              <a:t>Unsat</a:t>
+            </a:r>
+            <a:r>
+              <a:rPr lang="en-US" dirty="0">
+                <a:solidFill>
+                  <a:srgbClr val="0432FF"/>
+                </a:solidFill>
+              </a:rPr>
+              <a:t> then … ?</a:t>
             </a:r>
             <a:br>
               <a:rPr lang="en-US" dirty="0">
@@ -6776,7 +6926,7 @@
                   <a:srgbClr val="0432FF"/>
                 </a:solidFill>
               </a:rPr>
-              <a:t>I’ll scroll thru Chapter 2 to familiarize you</a:t>
+              <a:t>Remember that any Boolean formula is</a:t>
             </a:r>
             <a:br>
               <a:rPr lang="en-US" dirty="0">
@@ -6785,6 +6935,14 @@
                 </a:solidFill>
               </a:rPr>
             </a:br>
+            <a:r>
+              <a:rPr lang="en-US" dirty="0">
+                <a:solidFill>
+                  <a:srgbClr val="0432FF"/>
+                </a:solidFill>
+              </a:rPr>
+              <a:t>* Valid</a:t>
+            </a:r>
             <a:br>
               <a:rPr lang="en-US" dirty="0">
                 <a:solidFill>
@@ -6798,7 +6956,7 @@
                   <a:srgbClr val="0432FF"/>
                 </a:solidFill>
               </a:rPr>
-              <a:t>We will go thru how Alloy models these ideas, and let you read Chapter 2</a:t>
+              <a:t>* A contradiction (its negation is valid)</a:t>
             </a:r>
             <a:br>
               <a:rPr lang="en-US" dirty="0">
@@ -6807,20 +6965,13 @@
                 </a:solidFill>
               </a:rPr>
             </a:br>
-            <a:br>
+            <a:r>
               <a:rPr lang="en-US" dirty="0">
                 <a:solidFill>
                   <a:srgbClr val="0432FF"/>
                 </a:solidFill>
               </a:rPr>
-            </a:br>
-            <a:r>
-              <a:rPr lang="en-US" dirty="0">
-                <a:solidFill>
-                  <a:srgbClr val="0432FF"/>
-                </a:solidFill>
-              </a:rPr>
-              <a:t>We will then try and cover Hoare Logic before the Spring break – but no need to hurry if that does not happen!</a:t>
+              <a:t>* Neither – it and its negation are satisfiable</a:t>
             </a:r>
           </a:p>
         </p:txBody>
@@ -6828,7 +6979,7 @@
     </p:spTree>
     <p:extLst>
       <p:ext uri="{BB962C8B-B14F-4D97-AF65-F5344CB8AC3E}">
-        <p14:creationId xmlns:p14="http://schemas.microsoft.com/office/powerpoint/2010/main" val="1073605240"/>
+        <p14:creationId xmlns:p14="http://schemas.microsoft.com/office/powerpoint/2010/main" val="2455580654"/>
       </p:ext>
     </p:extLst>
   </p:cSld>
@@ -6873,8 +7024,8 @@
         </p:nvSpPr>
         <p:spPr>
           <a:xfrm>
-            <a:off x="838200" y="365126"/>
-            <a:ext cx="10996246" cy="1052194"/>
+            <a:off x="838200" y="365125"/>
+            <a:ext cx="11353800" cy="6301681"/>
           </a:xfrm>
         </p:spPr>
         <p:txBody>
@@ -6883,28 +7034,171 @@
           </a:bodyPr>
           <a:lstStyle/>
           <a:p>
+            <a:r>
+              <a:rPr lang="en-US" sz="3100" dirty="0">
+                <a:solidFill>
+                  <a:srgbClr val="0432FF"/>
+                </a:solidFill>
+              </a:rPr>
+              <a:t>Alloy checks asserts for validity</a:t>
+            </a:r>
             <a:br>
-              <a:rPr lang="en-US" dirty="0">
+              <a:rPr lang="en-US" sz="3100" dirty="0">
                 <a:solidFill>
                   <a:srgbClr val="0432FF"/>
                 </a:solidFill>
               </a:rPr>
             </a:br>
             <a:r>
-              <a:rPr lang="en-US" dirty="0">
+              <a:rPr lang="en-US" sz="3100" dirty="0">
                 <a:solidFill>
                   <a:srgbClr val="0432FF"/>
                 </a:solidFill>
               </a:rPr>
-              <a:t>Excerpts from Bradley and Manna: this is the kind of FOL formula we need to understand!</a:t>
+              <a:t>by negating them </a:t>
             </a:r>
             <a:br>
-              <a:rPr lang="en-US" dirty="0">
+              <a:rPr lang="en-US" sz="3100" dirty="0">
                 <a:solidFill>
                   <a:srgbClr val="0432FF"/>
                 </a:solidFill>
               </a:rPr>
             </a:br>
+            <a:r>
+              <a:rPr lang="en-US" sz="3100" dirty="0">
+                <a:solidFill>
+                  <a:srgbClr val="0432FF"/>
+                </a:solidFill>
+              </a:rPr>
+              <a:t>and checking whether they are sat or not</a:t>
+            </a:r>
+            <a:br>
+              <a:rPr lang="en-US" sz="3100" dirty="0">
+                <a:solidFill>
+                  <a:srgbClr val="0432FF"/>
+                </a:solidFill>
+              </a:rPr>
+            </a:br>
+            <a:r>
+              <a:rPr lang="en-US" sz="3100" dirty="0">
+                <a:solidFill>
+                  <a:srgbClr val="0432FF"/>
+                </a:solidFill>
+              </a:rPr>
+              <a:t>If Sat then the original assertion is invalid</a:t>
+            </a:r>
+            <a:br>
+              <a:rPr lang="en-US" sz="3100" dirty="0">
+                <a:solidFill>
+                  <a:srgbClr val="0432FF"/>
+                </a:solidFill>
+              </a:rPr>
+            </a:br>
+            <a:r>
+              <a:rPr lang="en-US" sz="3100" dirty="0">
+                <a:solidFill>
+                  <a:srgbClr val="0432FF"/>
+                </a:solidFill>
+              </a:rPr>
+              <a:t>If </a:t>
+            </a:r>
+            <a:r>
+              <a:rPr lang="en-US" sz="3100" dirty="0" err="1">
+                <a:solidFill>
+                  <a:srgbClr val="0432FF"/>
+                </a:solidFill>
+              </a:rPr>
+              <a:t>Unsat</a:t>
+            </a:r>
+            <a:r>
+              <a:rPr lang="en-US" sz="3100" dirty="0">
+                <a:solidFill>
+                  <a:srgbClr val="0432FF"/>
+                </a:solidFill>
+              </a:rPr>
+              <a:t> then the original assertion is valid</a:t>
+            </a:r>
+            <a:br>
+              <a:rPr lang="en-US" dirty="0">
+                <a:solidFill>
+                  <a:srgbClr val="0432FF"/>
+                </a:solidFill>
+              </a:rPr>
+            </a:br>
+            <a:r>
+              <a:rPr lang="en-US" sz="3100" dirty="0">
+                <a:solidFill>
+                  <a:srgbClr val="C00000"/>
+                </a:solidFill>
+              </a:rPr>
+              <a:t>Just to be thorough, we will (later) do this:</a:t>
+            </a:r>
+            <a:br>
+              <a:rPr lang="en-US" sz="3100" dirty="0">
+                <a:solidFill>
+                  <a:srgbClr val="C00000"/>
+                </a:solidFill>
+              </a:rPr>
+            </a:br>
+            <a:r>
+              <a:rPr lang="en-US" sz="3100" dirty="0">
+                <a:solidFill>
+                  <a:srgbClr val="C00000"/>
+                </a:solidFill>
+              </a:rPr>
+              <a:t>* </a:t>
+            </a:r>
+            <a:r>
+              <a:rPr lang="en-US" sz="3100" dirty="0"/>
+              <a:t>Write an assertion Assn</a:t>
+            </a:r>
+            <a:br>
+              <a:rPr lang="en-US" sz="3100" dirty="0"/>
+            </a:br>
+            <a:r>
+              <a:rPr lang="en-US" sz="3100" dirty="0"/>
+              <a:t>* Write </a:t>
+            </a:r>
+            <a:r>
+              <a:rPr lang="en-US" sz="3100" dirty="0" err="1"/>
+              <a:t>negAssn</a:t>
+            </a:r>
+            <a:r>
+              <a:rPr lang="en-US" sz="3100" dirty="0"/>
+              <a:t> = !Assn</a:t>
+            </a:r>
+            <a:br>
+              <a:rPr lang="en-US" sz="3100" dirty="0"/>
+            </a:br>
+            <a:r>
+              <a:rPr lang="en-US" sz="3100" dirty="0"/>
+              <a:t>* We will check both</a:t>
+            </a:r>
+            <a:br>
+              <a:rPr lang="en-US" sz="3100" dirty="0"/>
+            </a:br>
+            <a:r>
+              <a:rPr lang="en-US" sz="3100" dirty="0"/>
+              <a:t>* If Assn’s “check” says “no counterexample, “Assn may be valid”, then ensure that !Assn is satisfiable (there is a counterexample for it)</a:t>
+            </a:r>
+            <a:br>
+              <a:rPr lang="en-US" sz="3100" dirty="0"/>
+            </a:br>
+            <a:br>
+              <a:rPr lang="en-US" sz="3100" dirty="0"/>
+            </a:br>
+            <a:r>
+              <a:rPr lang="en-US" sz="3100" dirty="0"/>
+              <a:t>BUT if both Assn and !Assn generate counterexamples, then they are </a:t>
+            </a:r>
+            <a:r>
+              <a:rPr lang="en-US" sz="3100" dirty="0">
+                <a:solidFill>
+                  <a:srgbClr val="0432FF"/>
+                </a:solidFill>
+              </a:rPr>
+              <a:t>merely satisfiable but not valid AND also not contradictions !!</a:t>
+            </a:r>
             <a:endParaRPr lang="en-US" dirty="0">
               <a:solidFill>
                 <a:srgbClr val="0432FF"/>
@@ -6913,40 +7207,10 @@
           </a:p>
         </p:txBody>
       </p:sp>
-      <p:pic>
-        <p:nvPicPr>
-          <p:cNvPr id="3" name="Picture 2">
-            <a:extLst>
-              <a:ext uri="{FF2B5EF4-FFF2-40B4-BE49-F238E27FC236}">
-                <a16:creationId xmlns:a16="http://schemas.microsoft.com/office/drawing/2014/main" id="{DF68E848-0433-6445-8141-FA678BC7A3C4}"/>
-              </a:ext>
-            </a:extLst>
-          </p:cNvPr>
-          <p:cNvPicPr>
-            <a:picLocks noChangeAspect="1"/>
-          </p:cNvPicPr>
-          <p:nvPr/>
-        </p:nvPicPr>
-        <p:blipFill>
-          <a:blip r:embed="rId2"/>
-          <a:stretch>
-            <a:fillRect/>
-          </a:stretch>
-        </p:blipFill>
-        <p:spPr>
-          <a:xfrm>
-            <a:off x="787400" y="1695450"/>
-            <a:ext cx="10617200" cy="3467100"/>
-          </a:xfrm>
-          <a:prstGeom prst="rect">
-            <a:avLst/>
-          </a:prstGeom>
-        </p:spPr>
-      </p:pic>
     </p:spTree>
     <p:extLst>
       <p:ext uri="{BB962C8B-B14F-4D97-AF65-F5344CB8AC3E}">
-        <p14:creationId xmlns:p14="http://schemas.microsoft.com/office/powerpoint/2010/main" val="2723634550"/>
+        <p14:creationId xmlns:p14="http://schemas.microsoft.com/office/powerpoint/2010/main" val="2972008627"/>
       </p:ext>
     </p:extLst>
   </p:cSld>
@@ -7007,33 +7271,17 @@
                   <a:srgbClr val="0432FF"/>
                 </a:solidFill>
               </a:rPr>
-              <a:t>Encoding FOL zero-</a:t>
-            </a:r>
-            <a:r>
-              <a:rPr lang="en-US" dirty="0" err="1">
-                <a:solidFill>
-                  <a:srgbClr val="0432FF"/>
-                </a:solidFill>
-              </a:rPr>
-              <a:t>ary</a:t>
-            </a:r>
-            <a:r>
-              <a:rPr lang="en-US" dirty="0">
-                <a:solidFill>
-                  <a:srgbClr val="0432FF"/>
-                </a:solidFill>
-              </a:rPr>
-              <a:t> predicates (Bools)</a:t>
+              <a:t>Alloy doctors/quacks encoding</a:t>
             </a:r>
           </a:p>
         </p:txBody>
       </p:sp>
       <p:pic>
         <p:nvPicPr>
-          <p:cNvPr id="6" name="Picture 5">
+          <p:cNvPr id="3" name="Picture 2">
             <a:extLst>
               <a:ext uri="{FF2B5EF4-FFF2-40B4-BE49-F238E27FC236}">
-                <a16:creationId xmlns:a16="http://schemas.microsoft.com/office/drawing/2014/main" id="{29F86CBA-CA15-5D4C-BB45-15C55FEFD383}"/>
+                <a16:creationId xmlns:a16="http://schemas.microsoft.com/office/drawing/2014/main" id="{C2CBC722-62D7-F942-AFCF-EF2D8682DAEA}"/>
               </a:ext>
             </a:extLst>
           </p:cNvPr>
@@ -7050,8 +7298,8 @@
         </p:blipFill>
         <p:spPr>
           <a:xfrm>
-            <a:off x="983273" y="1362074"/>
-            <a:ext cx="10706100" cy="5130800"/>
+            <a:off x="1054100" y="1120158"/>
+            <a:ext cx="8547100" cy="5629891"/>
           </a:xfrm>
           <a:prstGeom prst="rect">
             <a:avLst/>
@@ -7061,7 +7309,7 @@
     </p:spTree>
     <p:extLst>
       <p:ext uri="{BB962C8B-B14F-4D97-AF65-F5344CB8AC3E}">
-        <p14:creationId xmlns:p14="http://schemas.microsoft.com/office/powerpoint/2010/main" val="2163528480"/>
+        <p14:creationId xmlns:p14="http://schemas.microsoft.com/office/powerpoint/2010/main" val="464226410"/>
       </p:ext>
     </p:extLst>
   </p:cSld>
@@ -7122,7 +7370,7 @@
                   <a:srgbClr val="0432FF"/>
                 </a:solidFill>
               </a:rPr>
-              <a:t>An example of FOL (“classical”)</a:t>
+              <a:t>Updates for 2023: Topics</a:t>
             </a:r>
           </a:p>
         </p:txBody>
@@ -7151,33 +7399,161 @@
         </p:spPr>
         <p:txBody>
           <a:bodyPr>
-            <a:normAutofit/>
+            <a:normAutofit fontScale="92500" lnSpcReduction="10000"/>
           </a:bodyPr>
           <a:lstStyle/>
           <a:p>
             <a:r>
               <a:rPr lang="en-US" dirty="0"/>
-              <a:t>Some patients like every doctor  </a:t>
-            </a:r>
-          </a:p>
-          <a:p>
-            <a:r>
-              <a:rPr lang="en-US" dirty="0"/>
-              <a:t>No patient likes a quack  </a:t>
-            </a:r>
-          </a:p>
-          <a:p>
-            <a:r>
-              <a:rPr lang="en-US" dirty="0"/>
-              <a:t>Prove that no doctor is a quack</a:t>
-            </a:r>
+              <a:t>Contrast imperative versus declarative</a:t>
+            </a:r>
+          </a:p>
+          <a:p>
+            <a:r>
+              <a:rPr lang="en-US" dirty="0">
+                <a:sym typeface="Wingdings" pitchFamily="2" charset="2"/>
+              </a:rPr>
+              <a:t>Model-checking-based MWGC</a:t>
+            </a:r>
+          </a:p>
+          <a:p>
+            <a:r>
+              <a:rPr lang="en-US" dirty="0">
+                <a:sym typeface="Wingdings" pitchFamily="2" charset="2"/>
+              </a:rPr>
+              <a:t>Alloy-based MWGC</a:t>
+            </a:r>
+          </a:p>
+          <a:p>
+            <a:r>
+              <a:rPr lang="en-US" dirty="0">
+                <a:sym typeface="Wingdings" pitchFamily="2" charset="2"/>
+              </a:rPr>
+              <a:t>Logic is the calculus of computer science!</a:t>
+            </a:r>
+          </a:p>
+          <a:p>
+            <a:pPr lvl="1"/>
+            <a:r>
+              <a:rPr lang="en-US" dirty="0">
+                <a:sym typeface="Wingdings" pitchFamily="2" charset="2"/>
+              </a:rPr>
+              <a:t>Moshe </a:t>
+            </a:r>
+            <a:r>
+              <a:rPr lang="en-US" dirty="0" err="1">
+                <a:sym typeface="Wingdings" pitchFamily="2" charset="2"/>
+              </a:rPr>
+              <a:t>Vardi’s</a:t>
+            </a:r>
+            <a:r>
+              <a:rPr lang="en-US" dirty="0">
+                <a:sym typeface="Wingdings" pitchFamily="2" charset="2"/>
+              </a:rPr>
+              <a:t> annual “Logic Day”</a:t>
+            </a:r>
+          </a:p>
+          <a:p>
+            <a:r>
+              <a:rPr lang="en-US" dirty="0">
+                <a:sym typeface="Wingdings" pitchFamily="2" charset="2"/>
+              </a:rPr>
+              <a:t>The more you know logic the better you are empowered</a:t>
+            </a:r>
+          </a:p>
+          <a:p>
+            <a:pPr lvl="1"/>
+            <a:r>
+              <a:rPr lang="en-US" dirty="0">
+                <a:sym typeface="Wingdings" pitchFamily="2" charset="2"/>
+              </a:rPr>
+              <a:t>In EVERY area of CS that is where knowledge gets condensed </a:t>
+            </a:r>
+          </a:p>
+          <a:p>
+            <a:pPr lvl="2"/>
+            <a:r>
+              <a:rPr lang="en-US" dirty="0">
+                <a:sym typeface="Wingdings" pitchFamily="2" charset="2"/>
+              </a:rPr>
+              <a:t>Separation logic</a:t>
+            </a:r>
+          </a:p>
+          <a:p>
+            <a:pPr lvl="2"/>
+            <a:r>
+              <a:rPr lang="en-US" dirty="0">
+                <a:sym typeface="Wingdings" pitchFamily="2" charset="2"/>
+              </a:rPr>
+              <a:t>Belief logic</a:t>
+            </a:r>
+          </a:p>
+          <a:p>
+            <a:pPr lvl="2"/>
+            <a:r>
+              <a:rPr lang="en-US" dirty="0">
+                <a:sym typeface="Wingdings" pitchFamily="2" charset="2"/>
+              </a:rPr>
+              <a:t>Modal logic</a:t>
+            </a:r>
+          </a:p>
+          <a:p>
+            <a:pPr lvl="2"/>
+            <a:r>
+              <a:rPr lang="en-US" dirty="0">
+                <a:sym typeface="Wingdings" pitchFamily="2" charset="2"/>
+              </a:rPr>
+              <a:t>Dynamic logic</a:t>
+            </a:r>
+          </a:p>
+          <a:p>
+            <a:pPr lvl="2"/>
+            <a:r>
+              <a:rPr lang="en-US" dirty="0">
+                <a:sym typeface="Wingdings" pitchFamily="2" charset="2"/>
+              </a:rPr>
+              <a:t>Higher-order logic</a:t>
+            </a:r>
+          </a:p>
+          <a:p>
+            <a:pPr lvl="2"/>
+            <a:r>
+              <a:rPr lang="en-US" dirty="0">
+                <a:sym typeface="Wingdings" pitchFamily="2" charset="2"/>
+              </a:rPr>
+              <a:t>Linear logic</a:t>
+            </a:r>
+          </a:p>
+          <a:p>
+            <a:pPr lvl="2"/>
+            <a:r>
+              <a:rPr lang="en-US" dirty="0">
+                <a:sym typeface="Wingdings" pitchFamily="2" charset="2"/>
+              </a:rPr>
+              <a:t>Constructive logic</a:t>
+            </a:r>
+          </a:p>
+          <a:p>
+            <a:pPr lvl="2"/>
+            <a:r>
+              <a:rPr lang="en-US" dirty="0">
+                <a:sym typeface="Wingdings" pitchFamily="2" charset="2"/>
+              </a:rPr>
+              <a:t>X-logic</a:t>
+            </a:r>
+          </a:p>
+          <a:p>
+            <a:pPr marL="0" indent="0">
+              <a:buNone/>
+            </a:pPr>
+            <a:endParaRPr lang="en-US" dirty="0"/>
           </a:p>
         </p:txBody>
       </p:sp>
     </p:spTree>
     <p:extLst>
       <p:ext uri="{BB962C8B-B14F-4D97-AF65-F5344CB8AC3E}">
-        <p14:creationId xmlns:p14="http://schemas.microsoft.com/office/powerpoint/2010/main" val="1154748912"/>
+        <p14:creationId xmlns:p14="http://schemas.microsoft.com/office/powerpoint/2010/main" val="2924011210"/>
       </p:ext>
     </p:extLst>
   </p:cSld>
@@ -7190,14 +7566,6 @@
 <file path=ppt/slides/slide30.xml><?xml version="1.0" encoding="utf-8"?>
 <p:sld xmlns:a="http://schemas.openxmlformats.org/drawingml/2006/main" xmlns:r="http://schemas.openxmlformats.org/officeDocument/2006/relationships" xmlns:p="http://schemas.openxmlformats.org/presentationml/2006/main">
   <p:cSld>
-    <p:bg>
-      <p:bgPr>
-        <a:solidFill>
-          <a:schemeClr val="bg1"/>
-        </a:solidFill>
-        <a:effectLst/>
-      </p:bgPr>
-    </p:bg>
     <p:spTree>
       <p:nvGrpSpPr>
         <p:cNvPr id="1" name=""/>
@@ -7230,36 +7598,33 @@
         </p:nvSpPr>
         <p:spPr>
           <a:xfrm>
-            <a:off x="838199" y="291090"/>
-            <a:ext cx="10515599" cy="932688"/>
-          </a:xfrm>
-        </p:spPr>
-        <p:txBody>
-          <a:bodyPr vert="horz" lIns="91440" tIns="45720" rIns="91440" bIns="45720" rtlCol="0" anchor="b">
-            <a:normAutofit/>
+            <a:off x="838200" y="365126"/>
+            <a:ext cx="10996246" cy="618286"/>
+          </a:xfrm>
+        </p:spPr>
+        <p:txBody>
+          <a:bodyPr>
+            <a:normAutofit fontScale="90000"/>
           </a:bodyPr>
           <a:lstStyle/>
           <a:p>
             <a:r>
-              <a:rPr lang="en-US" sz="5400" kern="1200">
-                <a:solidFill>
-                  <a:schemeClr val="tx1"/>
-                </a:solidFill>
-                <a:latin typeface="+mj-lt"/>
-                <a:ea typeface="+mj-ea"/>
-                <a:cs typeface="+mj-cs"/>
-              </a:rPr>
-              <a:t>Encoding higher arity predicates</a:t>
+              <a:rPr lang="en-US" dirty="0">
+                <a:solidFill>
+                  <a:srgbClr val="0432FF"/>
+                </a:solidFill>
+              </a:rPr>
+              <a:t>Alloy doctors/quacks encoding</a:t>
             </a:r>
           </a:p>
         </p:txBody>
       </p:sp>
       <p:pic>
         <p:nvPicPr>
-          <p:cNvPr id="3" name="Picture 2" descr="Text&#10;&#10;Description automatically generated">
+          <p:cNvPr id="5" name="Picture 4" descr="Graphical user interface, text, application&#10;&#10;Description automatically generated">
             <a:extLst>
               <a:ext uri="{FF2B5EF4-FFF2-40B4-BE49-F238E27FC236}">
-                <a16:creationId xmlns:a16="http://schemas.microsoft.com/office/drawing/2014/main" id="{86D79BE9-6872-4E41-84D8-961B09AF1EF6}"/>
+                <a16:creationId xmlns:a16="http://schemas.microsoft.com/office/drawing/2014/main" id="{35C6C30E-F00F-EB48-B9A2-6AD9DF7AA444}"/>
               </a:ext>
             </a:extLst>
           </p:cNvPr>
@@ -7276,18 +7641,82 @@
         </p:blipFill>
         <p:spPr>
           <a:xfrm>
-            <a:off x="2470901" y="1863801"/>
-            <a:ext cx="7250197" cy="4440746"/>
+            <a:off x="838201" y="997156"/>
+            <a:ext cx="6191250" cy="5915361"/>
           </a:xfrm>
           <a:prstGeom prst="rect">
             <a:avLst/>
           </a:prstGeom>
         </p:spPr>
       </p:pic>
+      <p:sp>
+        <p:nvSpPr>
+          <p:cNvPr id="6" name="TextBox 5">
+            <a:extLst>
+              <a:ext uri="{FF2B5EF4-FFF2-40B4-BE49-F238E27FC236}">
+                <a16:creationId xmlns:a16="http://schemas.microsoft.com/office/drawing/2014/main" id="{DC92B0E9-6E5E-664A-B43C-C91E172DF3BE}"/>
+              </a:ext>
+            </a:extLst>
+          </p:cNvPr>
+          <p:cNvSpPr txBox="1"/>
+          <p:nvPr/>
+        </p:nvSpPr>
+        <p:spPr>
+          <a:xfrm>
+            <a:off x="8610600" y="2575560"/>
+            <a:ext cx="3351367" cy="1477328"/>
+          </a:xfrm>
+          <a:prstGeom prst="rect">
+            <a:avLst/>
+          </a:prstGeom>
+          <a:noFill/>
+        </p:spPr>
+        <p:txBody>
+          <a:bodyPr wrap="none" rtlCol="0">
+            <a:spAutoFit/>
+          </a:bodyPr>
+          <a:lstStyle/>
+          <a:p>
+            <a:r>
+              <a:rPr lang="en-US" dirty="0"/>
+              <a:t>Observe that</a:t>
+            </a:r>
+          </a:p>
+          <a:p>
+            <a:r>
+              <a:rPr lang="en-US" dirty="0"/>
+              <a:t>Via </a:t>
+            </a:r>
+            <a:r>
+              <a:rPr lang="en-US" dirty="0" err="1"/>
+              <a:t>tbe</a:t>
+            </a:r>
+            <a:r>
+              <a:rPr lang="en-US" dirty="0"/>
+              <a:t> pulldown</a:t>
+            </a:r>
+          </a:p>
+          <a:p>
+            <a:endParaRPr lang="en-US" dirty="0"/>
+          </a:p>
+          <a:p>
+            <a:r>
+              <a:rPr lang="en-US" dirty="0"/>
+              <a:t>You can run any of the asserts </a:t>
+            </a:r>
+          </a:p>
+          <a:p>
+            <a:r>
+              <a:rPr lang="en-US" dirty="0"/>
+              <a:t>You’ve planted !!</a:t>
+            </a:r>
+          </a:p>
+        </p:txBody>
+      </p:sp>
     </p:spTree>
     <p:extLst>
       <p:ext uri="{BB962C8B-B14F-4D97-AF65-F5344CB8AC3E}">
-        <p14:creationId xmlns:p14="http://schemas.microsoft.com/office/powerpoint/2010/main" val="3112998964"/>
+        <p14:creationId xmlns:p14="http://schemas.microsoft.com/office/powerpoint/2010/main" val="580739207"/>
       </p:ext>
     </p:extLst>
   </p:cSld>
@@ -7332,6 +7761,499 @@
         </p:nvSpPr>
         <p:spPr>
           <a:xfrm>
+            <a:off x="838200" y="365126"/>
+            <a:ext cx="10996246" cy="6340474"/>
+          </a:xfrm>
+        </p:spPr>
+        <p:txBody>
+          <a:bodyPr>
+            <a:normAutofit fontScale="90000"/>
+          </a:bodyPr>
+          <a:lstStyle/>
+          <a:p>
+            <a:r>
+              <a:rPr lang="en-US" dirty="0">
+                <a:solidFill>
+                  <a:srgbClr val="0432FF"/>
+                </a:solidFill>
+              </a:rPr>
+              <a:t>Excerpts from Bradley and Manna</a:t>
+            </a:r>
+            <a:br>
+              <a:rPr lang="en-US" dirty="0">
+                <a:solidFill>
+                  <a:srgbClr val="0432FF"/>
+                </a:solidFill>
+              </a:rPr>
+            </a:br>
+            <a:r>
+              <a:rPr lang="en-US" dirty="0">
+                <a:solidFill>
+                  <a:srgbClr val="0432FF"/>
+                </a:solidFill>
+              </a:rPr>
+              <a:t>No slides</a:t>
+            </a:r>
+            <a:br>
+              <a:rPr lang="en-US" dirty="0">
+                <a:solidFill>
+                  <a:srgbClr val="0432FF"/>
+                </a:solidFill>
+              </a:rPr>
+            </a:br>
+            <a:br>
+              <a:rPr lang="en-US" dirty="0">
+                <a:solidFill>
+                  <a:srgbClr val="0432FF"/>
+                </a:solidFill>
+              </a:rPr>
+            </a:br>
+            <a:r>
+              <a:rPr lang="en-US" dirty="0">
+                <a:solidFill>
+                  <a:srgbClr val="0432FF"/>
+                </a:solidFill>
+              </a:rPr>
+              <a:t>I’ll scroll thru Chapter 2 to familiarize you</a:t>
+            </a:r>
+            <a:br>
+              <a:rPr lang="en-US" dirty="0">
+                <a:solidFill>
+                  <a:srgbClr val="0432FF"/>
+                </a:solidFill>
+              </a:rPr>
+            </a:br>
+            <a:br>
+              <a:rPr lang="en-US" dirty="0">
+                <a:solidFill>
+                  <a:srgbClr val="0432FF"/>
+                </a:solidFill>
+              </a:rPr>
+            </a:br>
+            <a:r>
+              <a:rPr lang="en-US" dirty="0">
+                <a:solidFill>
+                  <a:srgbClr val="0432FF"/>
+                </a:solidFill>
+              </a:rPr>
+              <a:t>We will go thru how Alloy models these ideas, and let you read Chapter 2</a:t>
+            </a:r>
+            <a:br>
+              <a:rPr lang="en-US" dirty="0">
+                <a:solidFill>
+                  <a:srgbClr val="0432FF"/>
+                </a:solidFill>
+              </a:rPr>
+            </a:br>
+            <a:br>
+              <a:rPr lang="en-US" dirty="0">
+                <a:solidFill>
+                  <a:srgbClr val="0432FF"/>
+                </a:solidFill>
+              </a:rPr>
+            </a:br>
+            <a:r>
+              <a:rPr lang="en-US" dirty="0">
+                <a:solidFill>
+                  <a:srgbClr val="0432FF"/>
+                </a:solidFill>
+              </a:rPr>
+              <a:t>We will then try and cover Hoare Logic before the Spring break – but no need to hurry if that does not happen!</a:t>
+            </a:r>
+          </a:p>
+        </p:txBody>
+      </p:sp>
+    </p:spTree>
+    <p:extLst>
+      <p:ext uri="{BB962C8B-B14F-4D97-AF65-F5344CB8AC3E}">
+        <p14:creationId xmlns:p14="http://schemas.microsoft.com/office/powerpoint/2010/main" val="1073605240"/>
+      </p:ext>
+    </p:extLst>
+  </p:cSld>
+  <p:clrMapOvr>
+    <a:masterClrMapping/>
+  </p:clrMapOvr>
+</p:sld>
+</file>
+
+<file path=ppt/slides/slide32.xml><?xml version="1.0" encoding="utf-8"?>
+<p:sld xmlns:a="http://schemas.openxmlformats.org/drawingml/2006/main" xmlns:r="http://schemas.openxmlformats.org/officeDocument/2006/relationships" xmlns:p="http://schemas.openxmlformats.org/presentationml/2006/main">
+  <p:cSld>
+    <p:spTree>
+      <p:nvGrpSpPr>
+        <p:cNvPr id="1" name=""/>
+        <p:cNvGrpSpPr/>
+        <p:nvPr/>
+      </p:nvGrpSpPr>
+      <p:grpSpPr>
+        <a:xfrm>
+          <a:off x="0" y="0"/>
+          <a:ext cx="0" cy="0"/>
+          <a:chOff x="0" y="0"/>
+          <a:chExt cx="0" cy="0"/>
+        </a:xfrm>
+      </p:grpSpPr>
+      <p:sp>
+        <p:nvSpPr>
+          <p:cNvPr id="2" name="Title 1">
+            <a:extLst>
+              <a:ext uri="{FF2B5EF4-FFF2-40B4-BE49-F238E27FC236}">
+                <a16:creationId xmlns:a16="http://schemas.microsoft.com/office/drawing/2014/main" id="{B339D470-825A-E941-ACF1-7E73053D0C5D}"/>
+              </a:ext>
+            </a:extLst>
+          </p:cNvPr>
+          <p:cNvSpPr>
+            <a:spLocks noGrp="1"/>
+          </p:cNvSpPr>
+          <p:nvPr>
+            <p:ph type="title"/>
+          </p:nvPr>
+        </p:nvSpPr>
+        <p:spPr>
+          <a:xfrm>
+            <a:off x="838200" y="365126"/>
+            <a:ext cx="10996246" cy="1052194"/>
+          </a:xfrm>
+        </p:spPr>
+        <p:txBody>
+          <a:bodyPr>
+            <a:normAutofit fontScale="90000"/>
+          </a:bodyPr>
+          <a:lstStyle/>
+          <a:p>
+            <a:br>
+              <a:rPr lang="en-US" dirty="0">
+                <a:solidFill>
+                  <a:srgbClr val="0432FF"/>
+                </a:solidFill>
+              </a:rPr>
+            </a:br>
+            <a:r>
+              <a:rPr lang="en-US" dirty="0">
+                <a:solidFill>
+                  <a:srgbClr val="0432FF"/>
+                </a:solidFill>
+              </a:rPr>
+              <a:t>Excerpts from Bradley and Manna: this is the kind of FOL formula we need to understand!</a:t>
+            </a:r>
+            <a:br>
+              <a:rPr lang="en-US" dirty="0">
+                <a:solidFill>
+                  <a:srgbClr val="0432FF"/>
+                </a:solidFill>
+              </a:rPr>
+            </a:br>
+            <a:endParaRPr lang="en-US" dirty="0">
+              <a:solidFill>
+                <a:srgbClr val="0432FF"/>
+              </a:solidFill>
+            </a:endParaRPr>
+          </a:p>
+        </p:txBody>
+      </p:sp>
+      <p:pic>
+        <p:nvPicPr>
+          <p:cNvPr id="3" name="Picture 2">
+            <a:extLst>
+              <a:ext uri="{FF2B5EF4-FFF2-40B4-BE49-F238E27FC236}">
+                <a16:creationId xmlns:a16="http://schemas.microsoft.com/office/drawing/2014/main" id="{DF68E848-0433-6445-8141-FA678BC7A3C4}"/>
+              </a:ext>
+            </a:extLst>
+          </p:cNvPr>
+          <p:cNvPicPr>
+            <a:picLocks noChangeAspect="1"/>
+          </p:cNvPicPr>
+          <p:nvPr/>
+        </p:nvPicPr>
+        <p:blipFill>
+          <a:blip r:embed="rId2"/>
+          <a:stretch>
+            <a:fillRect/>
+          </a:stretch>
+        </p:blipFill>
+        <p:spPr>
+          <a:xfrm>
+            <a:off x="787400" y="1695450"/>
+            <a:ext cx="10617200" cy="3467100"/>
+          </a:xfrm>
+          <a:prstGeom prst="rect">
+            <a:avLst/>
+          </a:prstGeom>
+        </p:spPr>
+      </p:pic>
+    </p:spTree>
+    <p:extLst>
+      <p:ext uri="{BB962C8B-B14F-4D97-AF65-F5344CB8AC3E}">
+        <p14:creationId xmlns:p14="http://schemas.microsoft.com/office/powerpoint/2010/main" val="2723634550"/>
+      </p:ext>
+    </p:extLst>
+  </p:cSld>
+  <p:clrMapOvr>
+    <a:masterClrMapping/>
+  </p:clrMapOvr>
+</p:sld>
+</file>
+
+<file path=ppt/slides/slide33.xml><?xml version="1.0" encoding="utf-8"?>
+<p:sld xmlns:a="http://schemas.openxmlformats.org/drawingml/2006/main" xmlns:r="http://schemas.openxmlformats.org/officeDocument/2006/relationships" xmlns:p="http://schemas.openxmlformats.org/presentationml/2006/main">
+  <p:cSld>
+    <p:spTree>
+      <p:nvGrpSpPr>
+        <p:cNvPr id="1" name=""/>
+        <p:cNvGrpSpPr/>
+        <p:nvPr/>
+      </p:nvGrpSpPr>
+      <p:grpSpPr>
+        <a:xfrm>
+          <a:off x="0" y="0"/>
+          <a:ext cx="0" cy="0"/>
+          <a:chOff x="0" y="0"/>
+          <a:chExt cx="0" cy="0"/>
+        </a:xfrm>
+      </p:grpSpPr>
+      <p:sp>
+        <p:nvSpPr>
+          <p:cNvPr id="2" name="Title 1">
+            <a:extLst>
+              <a:ext uri="{FF2B5EF4-FFF2-40B4-BE49-F238E27FC236}">
+                <a16:creationId xmlns:a16="http://schemas.microsoft.com/office/drawing/2014/main" id="{B339D470-825A-E941-ACF1-7E73053D0C5D}"/>
+              </a:ext>
+            </a:extLst>
+          </p:cNvPr>
+          <p:cNvSpPr>
+            <a:spLocks noGrp="1"/>
+          </p:cNvSpPr>
+          <p:nvPr>
+            <p:ph type="title"/>
+          </p:nvPr>
+        </p:nvSpPr>
+        <p:spPr>
+          <a:xfrm>
+            <a:off x="838200" y="365126"/>
+            <a:ext cx="10996246" cy="618286"/>
+          </a:xfrm>
+        </p:spPr>
+        <p:txBody>
+          <a:bodyPr>
+            <a:normAutofit fontScale="90000"/>
+          </a:bodyPr>
+          <a:lstStyle/>
+          <a:p>
+            <a:r>
+              <a:rPr lang="en-US" dirty="0">
+                <a:solidFill>
+                  <a:srgbClr val="0432FF"/>
+                </a:solidFill>
+              </a:rPr>
+              <a:t>Encoding FOL zero-</a:t>
+            </a:r>
+            <a:r>
+              <a:rPr lang="en-US" dirty="0" err="1">
+                <a:solidFill>
+                  <a:srgbClr val="0432FF"/>
+                </a:solidFill>
+              </a:rPr>
+              <a:t>ary</a:t>
+            </a:r>
+            <a:r>
+              <a:rPr lang="en-US" dirty="0">
+                <a:solidFill>
+                  <a:srgbClr val="0432FF"/>
+                </a:solidFill>
+              </a:rPr>
+              <a:t> predicates (Bools)</a:t>
+            </a:r>
+          </a:p>
+        </p:txBody>
+      </p:sp>
+      <p:pic>
+        <p:nvPicPr>
+          <p:cNvPr id="6" name="Picture 5">
+            <a:extLst>
+              <a:ext uri="{FF2B5EF4-FFF2-40B4-BE49-F238E27FC236}">
+                <a16:creationId xmlns:a16="http://schemas.microsoft.com/office/drawing/2014/main" id="{29F86CBA-CA15-5D4C-BB45-15C55FEFD383}"/>
+              </a:ext>
+            </a:extLst>
+          </p:cNvPr>
+          <p:cNvPicPr>
+            <a:picLocks noChangeAspect="1"/>
+          </p:cNvPicPr>
+          <p:nvPr/>
+        </p:nvPicPr>
+        <p:blipFill>
+          <a:blip r:embed="rId2"/>
+          <a:stretch>
+            <a:fillRect/>
+          </a:stretch>
+        </p:blipFill>
+        <p:spPr>
+          <a:xfrm>
+            <a:off x="983273" y="1362074"/>
+            <a:ext cx="10706100" cy="5130800"/>
+          </a:xfrm>
+          <a:prstGeom prst="rect">
+            <a:avLst/>
+          </a:prstGeom>
+        </p:spPr>
+      </p:pic>
+    </p:spTree>
+    <p:extLst>
+      <p:ext uri="{BB962C8B-B14F-4D97-AF65-F5344CB8AC3E}">
+        <p14:creationId xmlns:p14="http://schemas.microsoft.com/office/powerpoint/2010/main" val="2163528480"/>
+      </p:ext>
+    </p:extLst>
+  </p:cSld>
+  <p:clrMapOvr>
+    <a:masterClrMapping/>
+  </p:clrMapOvr>
+</p:sld>
+</file>
+
+<file path=ppt/slides/slide34.xml><?xml version="1.0" encoding="utf-8"?>
+<p:sld xmlns:a="http://schemas.openxmlformats.org/drawingml/2006/main" xmlns:r="http://schemas.openxmlformats.org/officeDocument/2006/relationships" xmlns:p="http://schemas.openxmlformats.org/presentationml/2006/main">
+  <p:cSld>
+    <p:bg>
+      <p:bgPr>
+        <a:solidFill>
+          <a:schemeClr val="bg1"/>
+        </a:solidFill>
+        <a:effectLst/>
+      </p:bgPr>
+    </p:bg>
+    <p:spTree>
+      <p:nvGrpSpPr>
+        <p:cNvPr id="1" name=""/>
+        <p:cNvGrpSpPr/>
+        <p:nvPr/>
+      </p:nvGrpSpPr>
+      <p:grpSpPr>
+        <a:xfrm>
+          <a:off x="0" y="0"/>
+          <a:ext cx="0" cy="0"/>
+          <a:chOff x="0" y="0"/>
+          <a:chExt cx="0" cy="0"/>
+        </a:xfrm>
+      </p:grpSpPr>
+      <p:sp>
+        <p:nvSpPr>
+          <p:cNvPr id="2" name="Title 1">
+            <a:extLst>
+              <a:ext uri="{FF2B5EF4-FFF2-40B4-BE49-F238E27FC236}">
+                <a16:creationId xmlns:a16="http://schemas.microsoft.com/office/drawing/2014/main" id="{B339D470-825A-E941-ACF1-7E73053D0C5D}"/>
+              </a:ext>
+            </a:extLst>
+          </p:cNvPr>
+          <p:cNvSpPr>
+            <a:spLocks noGrp="1"/>
+          </p:cNvSpPr>
+          <p:nvPr>
+            <p:ph type="title"/>
+          </p:nvPr>
+        </p:nvSpPr>
+        <p:spPr>
+          <a:xfrm>
+            <a:off x="838199" y="291090"/>
+            <a:ext cx="10515599" cy="932688"/>
+          </a:xfrm>
+        </p:spPr>
+        <p:txBody>
+          <a:bodyPr vert="horz" lIns="91440" tIns="45720" rIns="91440" bIns="45720" rtlCol="0" anchor="b">
+            <a:normAutofit/>
+          </a:bodyPr>
+          <a:lstStyle/>
+          <a:p>
+            <a:r>
+              <a:rPr lang="en-US" sz="5400" kern="1200">
+                <a:solidFill>
+                  <a:schemeClr val="tx1"/>
+                </a:solidFill>
+                <a:latin typeface="+mj-lt"/>
+                <a:ea typeface="+mj-ea"/>
+                <a:cs typeface="+mj-cs"/>
+              </a:rPr>
+              <a:t>Encoding higher arity predicates</a:t>
+            </a:r>
+          </a:p>
+        </p:txBody>
+      </p:sp>
+      <p:pic>
+        <p:nvPicPr>
+          <p:cNvPr id="3" name="Picture 2" descr="Text&#10;&#10;Description automatically generated">
+            <a:extLst>
+              <a:ext uri="{FF2B5EF4-FFF2-40B4-BE49-F238E27FC236}">
+                <a16:creationId xmlns:a16="http://schemas.microsoft.com/office/drawing/2014/main" id="{86D79BE9-6872-4E41-84D8-961B09AF1EF6}"/>
+              </a:ext>
+            </a:extLst>
+          </p:cNvPr>
+          <p:cNvPicPr>
+            <a:picLocks noChangeAspect="1"/>
+          </p:cNvPicPr>
+          <p:nvPr/>
+        </p:nvPicPr>
+        <p:blipFill>
+          <a:blip r:embed="rId2"/>
+          <a:stretch>
+            <a:fillRect/>
+          </a:stretch>
+        </p:blipFill>
+        <p:spPr>
+          <a:xfrm>
+            <a:off x="2470901" y="1863801"/>
+            <a:ext cx="7250197" cy="4440746"/>
+          </a:xfrm>
+          <a:prstGeom prst="rect">
+            <a:avLst/>
+          </a:prstGeom>
+        </p:spPr>
+      </p:pic>
+    </p:spTree>
+    <p:extLst>
+      <p:ext uri="{BB962C8B-B14F-4D97-AF65-F5344CB8AC3E}">
+        <p14:creationId xmlns:p14="http://schemas.microsoft.com/office/powerpoint/2010/main" val="3112998964"/>
+      </p:ext>
+    </p:extLst>
+  </p:cSld>
+  <p:clrMapOvr>
+    <a:masterClrMapping/>
+  </p:clrMapOvr>
+</p:sld>
+</file>
+
+<file path=ppt/slides/slide35.xml><?xml version="1.0" encoding="utf-8"?>
+<p:sld xmlns:a="http://schemas.openxmlformats.org/drawingml/2006/main" xmlns:r="http://schemas.openxmlformats.org/officeDocument/2006/relationships" xmlns:p="http://schemas.openxmlformats.org/presentationml/2006/main">
+  <p:cSld>
+    <p:spTree>
+      <p:nvGrpSpPr>
+        <p:cNvPr id="1" name=""/>
+        <p:cNvGrpSpPr/>
+        <p:nvPr/>
+      </p:nvGrpSpPr>
+      <p:grpSpPr>
+        <a:xfrm>
+          <a:off x="0" y="0"/>
+          <a:ext cx="0" cy="0"/>
+          <a:chOff x="0" y="0"/>
+          <a:chExt cx="0" cy="0"/>
+        </a:xfrm>
+      </p:grpSpPr>
+      <p:sp>
+        <p:nvSpPr>
+          <p:cNvPr id="2" name="Title 1">
+            <a:extLst>
+              <a:ext uri="{FF2B5EF4-FFF2-40B4-BE49-F238E27FC236}">
+                <a16:creationId xmlns:a16="http://schemas.microsoft.com/office/drawing/2014/main" id="{B339D470-825A-E941-ACF1-7E73053D0C5D}"/>
+              </a:ext>
+            </a:extLst>
+          </p:cNvPr>
+          <p:cNvSpPr>
+            <a:spLocks noGrp="1"/>
+          </p:cNvSpPr>
+          <p:nvPr>
+            <p:ph type="title"/>
+          </p:nvPr>
+        </p:nvSpPr>
+        <p:spPr>
+          <a:xfrm>
             <a:off x="838199" y="291090"/>
             <a:ext cx="10515599" cy="932688"/>
           </a:xfrm>
@@ -7400,7 +8322,7 @@
 </p:sld>
 </file>
 
-<file path=ppt/slides/slide32.xml><?xml version="1.0" encoding="utf-8"?>
+<file path=ppt/slides/slide36.xml><?xml version="1.0" encoding="utf-8"?>
 <p:sld xmlns:a="http://schemas.openxmlformats.org/drawingml/2006/main" xmlns:r="http://schemas.openxmlformats.org/officeDocument/2006/relationships" xmlns:p="http://schemas.openxmlformats.org/presentationml/2006/main">
   <p:cSld>
     <p:spTree>
@@ -7556,144 +8478,115 @@
         </p:nvSpPr>
         <p:spPr>
           <a:xfrm>
-            <a:off x="838200" y="365126"/>
-            <a:ext cx="10996246" cy="618286"/>
+            <a:off x="240323" y="279507"/>
+            <a:ext cx="2373923" cy="5171724"/>
           </a:xfrm>
         </p:spPr>
         <p:txBody>
           <a:bodyPr>
-            <a:normAutofit fontScale="90000"/>
+            <a:normAutofit/>
           </a:bodyPr>
           <a:lstStyle/>
           <a:p>
             <a:r>
-              <a:rPr lang="en-US" dirty="0">
+              <a:rPr lang="en-US" dirty="0" err="1">
                 <a:solidFill>
                   <a:srgbClr val="0432FF"/>
                 </a:solidFill>
               </a:rPr>
-              <a:t>An example of FOL (“classical”)</a:t>
-            </a:r>
-          </a:p>
-        </p:txBody>
-      </p:sp>
-      <p:sp>
-        <p:nvSpPr>
-          <p:cNvPr id="5" name="Content Placeholder 4">
+              <a:t>Murphi</a:t>
+            </a:r>
+            <a:r>
+              <a:rPr lang="en-US" dirty="0">
+                <a:solidFill>
+                  <a:srgbClr val="0432FF"/>
+                </a:solidFill>
+              </a:rPr>
+              <a:t> </a:t>
+            </a:r>
+            <a:r>
+              <a:rPr lang="en-US" dirty="0" err="1">
+                <a:solidFill>
+                  <a:srgbClr val="0432FF"/>
+                </a:solidFill>
+              </a:rPr>
+              <a:t>mwgc.m</a:t>
+            </a:r>
+            <a:r>
+              <a:rPr lang="en-US" dirty="0">
+                <a:solidFill>
+                  <a:srgbClr val="0432FF"/>
+                </a:solidFill>
+              </a:rPr>
+              <a:t> – let’s run it</a:t>
+            </a:r>
+          </a:p>
+        </p:txBody>
+      </p:sp>
+      <p:pic>
+        <p:nvPicPr>
+          <p:cNvPr id="7" name="Picture 6" descr="Text&#10;&#10;Description automatically generated">
             <a:extLst>
               <a:ext uri="{FF2B5EF4-FFF2-40B4-BE49-F238E27FC236}">
-                <a16:creationId xmlns:a16="http://schemas.microsoft.com/office/drawing/2014/main" id="{DF3F1E47-1B9F-404D-8957-365322731F51}"/>
+                <a16:creationId xmlns:a16="http://schemas.microsoft.com/office/drawing/2014/main" id="{F801429E-E8A7-AB44-8395-F9D22CA13FAB}"/>
               </a:ext>
             </a:extLst>
           </p:cNvPr>
-          <p:cNvSpPr>
-            <a:spLocks noGrp="1"/>
-          </p:cNvSpPr>
-          <p:nvPr>
-            <p:ph idx="1"/>
-          </p:nvPr>
-        </p:nvSpPr>
-        <p:spPr>
-          <a:xfrm>
-            <a:off x="838199" y="1110343"/>
-            <a:ext cx="11198629" cy="5277394"/>
-          </a:xfrm>
-        </p:spPr>
-        <p:txBody>
-          <a:bodyPr>
-            <a:normAutofit/>
-          </a:bodyPr>
-          <a:lstStyle/>
-          <a:p>
-            <a:r>
-              <a:rPr lang="en-US" dirty="0"/>
-              <a:t>Let “P” be people containing </a:t>
-            </a:r>
-            <a:r>
-              <a:rPr lang="en-US" dirty="0" err="1"/>
-              <a:t>x,y,z</a:t>
-            </a:r>
-            <a:r>
-              <a:rPr lang="en-US" dirty="0"/>
-              <a:t>, …</a:t>
-            </a:r>
-          </a:p>
-          <a:p>
-            <a:r>
-              <a:rPr lang="en-US" dirty="0"/>
-              <a:t>Let “p” be a patient-predicate – e.g. p(x)</a:t>
-            </a:r>
-          </a:p>
-          <a:p>
-            <a:r>
-              <a:rPr lang="en-US" dirty="0"/>
-              <a:t>Let “d” be a doctor-predicate – e.g. d(y)</a:t>
-            </a:r>
-          </a:p>
-          <a:p>
-            <a:r>
-              <a:rPr lang="en-US" dirty="0"/>
-              <a:t>Let “q” be a quack-predicate – e.g. q(z)</a:t>
-            </a:r>
-          </a:p>
-          <a:p>
-            <a:r>
-              <a:rPr lang="en-US" dirty="0"/>
-              <a:t>Let “l” be the likes-predicate – e.g. l(</a:t>
-            </a:r>
-            <a:r>
-              <a:rPr lang="en-US" dirty="0" err="1"/>
-              <a:t>x,y</a:t>
-            </a:r>
-            <a:r>
-              <a:rPr lang="en-US" dirty="0"/>
-              <a:t>) [T/F], !l(</a:t>
-            </a:r>
-            <a:r>
-              <a:rPr lang="en-US" dirty="0" err="1"/>
-              <a:t>x,z</a:t>
-            </a:r>
-            <a:r>
-              <a:rPr lang="en-US" dirty="0"/>
-              <a:t>) [T/F] etc..</a:t>
-            </a:r>
-          </a:p>
-          <a:p>
-            <a:r>
-              <a:rPr lang="en-US" dirty="0"/>
-              <a:t>Let’s now see how to model this problem</a:t>
-            </a:r>
-          </a:p>
-          <a:p>
-            <a:r>
-              <a:rPr lang="en-US" dirty="0" err="1"/>
-              <a:t>Forall</a:t>
-            </a:r>
-            <a:r>
-              <a:rPr lang="en-US" dirty="0"/>
-              <a:t> = “all” and </a:t>
-            </a:r>
-            <a:r>
-              <a:rPr lang="en-US" dirty="0" err="1"/>
-              <a:t>ThereExists</a:t>
-            </a:r>
-            <a:r>
-              <a:rPr lang="en-US" dirty="0"/>
-              <a:t> = ”exists”</a:t>
-            </a:r>
-          </a:p>
-          <a:p>
-            <a:r>
-              <a:rPr lang="en-US" dirty="0"/>
-              <a:t>In Alloy it is all / some</a:t>
-            </a:r>
-          </a:p>
-        </p:txBody>
-      </p:sp>
+          <p:cNvPicPr>
+            <a:picLocks noChangeAspect="1"/>
+          </p:cNvPicPr>
+          <p:nvPr/>
+        </p:nvPicPr>
+        <p:blipFill>
+          <a:blip r:embed="rId2"/>
+          <a:stretch>
+            <a:fillRect/>
+          </a:stretch>
+        </p:blipFill>
+        <p:spPr>
+          <a:xfrm>
+            <a:off x="7913078" y="494324"/>
+            <a:ext cx="3657600" cy="4368800"/>
+          </a:xfrm>
+          <a:prstGeom prst="rect">
+            <a:avLst/>
+          </a:prstGeom>
+        </p:spPr>
+      </p:pic>
+      <p:pic>
+        <p:nvPicPr>
+          <p:cNvPr id="9" name="Picture 8" descr="Text&#10;&#10;Description automatically generated">
+            <a:extLst>
+              <a:ext uri="{FF2B5EF4-FFF2-40B4-BE49-F238E27FC236}">
+                <a16:creationId xmlns:a16="http://schemas.microsoft.com/office/drawing/2014/main" id="{DC3CE91A-959E-374C-861C-36C65E75692B}"/>
+              </a:ext>
+            </a:extLst>
+          </p:cNvPr>
+          <p:cNvPicPr>
+            <a:picLocks noChangeAspect="1"/>
+          </p:cNvPicPr>
+          <p:nvPr/>
+        </p:nvPicPr>
+        <p:blipFill>
+          <a:blip r:embed="rId3"/>
+          <a:stretch>
+            <a:fillRect/>
+          </a:stretch>
+        </p:blipFill>
+        <p:spPr>
+          <a:xfrm>
+            <a:off x="3060855" y="0"/>
+            <a:ext cx="4405614" cy="6858000"/>
+          </a:xfrm>
+          <a:prstGeom prst="rect">
+            <a:avLst/>
+          </a:prstGeom>
+        </p:spPr>
+      </p:pic>
     </p:spTree>
     <p:extLst>
       <p:ext uri="{BB962C8B-B14F-4D97-AF65-F5344CB8AC3E}">
-        <p14:creationId xmlns:p14="http://schemas.microsoft.com/office/powerpoint/2010/main" val="2854068349"/>
+        <p14:creationId xmlns:p14="http://schemas.microsoft.com/office/powerpoint/2010/main" val="2528652890"/>
       </p:ext>
     </p:extLst>
   </p:cSld>
@@ -7738,13 +8631,13 @@
         </p:nvSpPr>
         <p:spPr>
           <a:xfrm>
-            <a:off x="838200" y="365126"/>
-            <a:ext cx="10996246" cy="618286"/>
+            <a:off x="597877" y="365125"/>
+            <a:ext cx="3716215" cy="3655889"/>
           </a:xfrm>
         </p:spPr>
         <p:txBody>
           <a:bodyPr>
-            <a:normAutofit fontScale="90000"/>
+            <a:normAutofit/>
           </a:bodyPr>
           <a:lstStyle/>
           <a:p>
@@ -7754,113 +8647,61 @@
                   <a:srgbClr val="0432FF"/>
                 </a:solidFill>
               </a:rPr>
-              <a:t>An example of FOL (“classical”)</a:t>
-            </a:r>
-          </a:p>
-        </p:txBody>
-      </p:sp>
-      <p:sp>
-        <p:nvSpPr>
-          <p:cNvPr id="5" name="Content Placeholder 4">
+              <a:t>Alloy </a:t>
+            </a:r>
+            <a:r>
+              <a:rPr lang="en-US" dirty="0" err="1">
+                <a:solidFill>
+                  <a:srgbClr val="0432FF"/>
+                </a:solidFill>
+              </a:rPr>
+              <a:t>mwgc</a:t>
+            </a:r>
+            <a:r>
+              <a:rPr lang="en-US" dirty="0">
+                <a:solidFill>
+                  <a:srgbClr val="0432FF"/>
+                </a:solidFill>
+              </a:rPr>
+              <a:t> – let’s run it</a:t>
+            </a:r>
+          </a:p>
+        </p:txBody>
+      </p:sp>
+      <p:pic>
+        <p:nvPicPr>
+          <p:cNvPr id="4" name="Picture 3" descr="Text&#10;&#10;Description automatically generated">
             <a:extLst>
               <a:ext uri="{FF2B5EF4-FFF2-40B4-BE49-F238E27FC236}">
-                <a16:creationId xmlns:a16="http://schemas.microsoft.com/office/drawing/2014/main" id="{DF3F1E47-1B9F-404D-8957-365322731F51}"/>
+                <a16:creationId xmlns:a16="http://schemas.microsoft.com/office/drawing/2014/main" id="{57E4694E-1D67-2A48-8C31-84727AAB6157}"/>
               </a:ext>
             </a:extLst>
           </p:cNvPr>
-          <p:cNvSpPr>
-            <a:spLocks noGrp="1"/>
-          </p:cNvSpPr>
-          <p:nvPr>
-            <p:ph idx="1"/>
-          </p:nvPr>
-        </p:nvSpPr>
-        <p:spPr>
-          <a:xfrm>
-            <a:off x="838199" y="1110343"/>
-            <a:ext cx="11198629" cy="5277394"/>
-          </a:xfrm>
-        </p:spPr>
-        <p:txBody>
-          <a:bodyPr>
-            <a:normAutofit/>
-          </a:bodyPr>
-          <a:lstStyle/>
-          <a:p>
-            <a:r>
-              <a:rPr lang="en-US" dirty="0"/>
-              <a:t>Reminder: P,  p,  d,  q,  l are the symbols we have so far</a:t>
-            </a:r>
-          </a:p>
-          <a:p>
-            <a:r>
-              <a:rPr lang="en-US" dirty="0"/>
-              <a:t>All quantification is over “P” or people</a:t>
-            </a:r>
-          </a:p>
-          <a:p>
-            <a:pPr marL="0" indent="0">
-              <a:buNone/>
-            </a:pPr>
-            <a:endParaRPr lang="en-US" dirty="0"/>
-          </a:p>
-          <a:p>
-            <a:r>
-              <a:rPr lang="en-US" dirty="0"/>
-              <a:t>Some patients like every doctor </a:t>
-            </a:r>
-          </a:p>
-          <a:p>
-            <a:pPr lvl="1"/>
-            <a:r>
-              <a:rPr lang="en-US" dirty="0"/>
-              <a:t> exists x : p(x) and [all y : d(y) -&gt; l(</a:t>
-            </a:r>
-            <a:r>
-              <a:rPr lang="en-US" dirty="0" err="1"/>
-              <a:t>x,y</a:t>
-            </a:r>
-            <a:r>
-              <a:rPr lang="en-US" dirty="0"/>
-              <a:t>)]</a:t>
-            </a:r>
-          </a:p>
-          <a:p>
-            <a:pPr lvl="1"/>
-            <a:endParaRPr lang="en-US" dirty="0"/>
-          </a:p>
-          <a:p>
-            <a:r>
-              <a:rPr lang="en-US" dirty="0"/>
-              <a:t>No patient likes a quack  </a:t>
-            </a:r>
-          </a:p>
-          <a:p>
-            <a:pPr lvl="1"/>
-            <a:r>
-              <a:rPr lang="en-US" dirty="0"/>
-              <a:t>… give it a shot …</a:t>
-            </a:r>
-          </a:p>
-          <a:p>
-            <a:r>
-              <a:rPr lang="en-US" dirty="0"/>
-              <a:t>Prove that no doctor is a quack</a:t>
-            </a:r>
-          </a:p>
-          <a:p>
-            <a:pPr lvl="1"/>
-            <a:r>
-              <a:rPr lang="en-US" dirty="0"/>
-              <a:t>… state the proof-goal in FOL – give it a shot …</a:t>
-            </a:r>
-          </a:p>
-        </p:txBody>
-      </p:sp>
+          <p:cNvPicPr>
+            <a:picLocks noChangeAspect="1"/>
+          </p:cNvPicPr>
+          <p:nvPr/>
+        </p:nvPicPr>
+        <p:blipFill>
+          <a:blip r:embed="rId2"/>
+          <a:stretch>
+            <a:fillRect/>
+          </a:stretch>
+        </p:blipFill>
+        <p:spPr>
+          <a:xfrm>
+            <a:off x="5197934" y="0"/>
+            <a:ext cx="5913276" cy="6858000"/>
+          </a:xfrm>
+          <a:prstGeom prst="rect">
+            <a:avLst/>
+          </a:prstGeom>
+        </p:spPr>
+      </p:pic>
     </p:spTree>
     <p:extLst>
       <p:ext uri="{BB962C8B-B14F-4D97-AF65-F5344CB8AC3E}">
-        <p14:creationId xmlns:p14="http://schemas.microsoft.com/office/powerpoint/2010/main" val="4207230269"/>
+        <p14:creationId xmlns:p14="http://schemas.microsoft.com/office/powerpoint/2010/main" val="1975259647"/>
       </p:ext>
     </p:extLst>
   </p:cSld>
@@ -7906,7 +8747,7 @@
         <p:spPr>
           <a:xfrm>
             <a:off x="838200" y="365126"/>
-            <a:ext cx="10996246" cy="618286"/>
+            <a:ext cx="10996246" cy="964910"/>
           </a:xfrm>
         </p:spPr>
         <p:txBody>
@@ -7921,7 +8762,22 @@
                   <a:srgbClr val="0432FF"/>
                 </a:solidFill>
               </a:rPr>
-              <a:t>An example of FOL (“classical”)</a:t>
+              <a:t>Lecture 14 : First-Order Logic</a:t>
+            </a:r>
+            <a:br>
+              <a:rPr lang="en-US" dirty="0">
+                <a:solidFill>
+                  <a:srgbClr val="0432FF"/>
+                </a:solidFill>
+              </a:rPr>
+            </a:br>
+            <a:r>
+              <a:rPr lang="en-US" dirty="0">
+                <a:solidFill>
+                  <a:srgbClr val="0432FF"/>
+                </a:solidFill>
+              </a:rPr>
+              <a:t>aka predicate logic</a:t>
             </a:r>
           </a:p>
         </p:txBody>
@@ -7944,8 +8800,8 @@
         </p:nvSpPr>
         <p:spPr>
           <a:xfrm>
-            <a:off x="838199" y="1110343"/>
-            <a:ext cx="11198629" cy="5277394"/>
+            <a:off x="838200" y="1496292"/>
+            <a:ext cx="10996246" cy="5237018"/>
           </a:xfrm>
         </p:spPr>
         <p:txBody>
@@ -7956,90 +8812,94 @@
           <a:p>
             <a:r>
               <a:rPr lang="en-US" dirty="0"/>
-              <a:t>Reminder: P,  p,  d,  q,  l are the symbols we have so far</a:t>
-            </a:r>
-          </a:p>
-          <a:p>
-            <a:r>
-              <a:rPr lang="en-US" dirty="0"/>
-              <a:t>All quantification is over “P” or people</a:t>
-            </a:r>
-          </a:p>
-          <a:p>
-            <a:pPr marL="0" indent="0">
-              <a:buNone/>
-            </a:pPr>
-            <a:endParaRPr lang="en-US" dirty="0"/>
-          </a:p>
-          <a:p>
-            <a:r>
-              <a:rPr lang="en-US" dirty="0"/>
-              <a:t>Some patients like every doctor </a:t>
+              <a:t>Read from Bradley and Manna, Chapter 2</a:t>
+            </a:r>
+          </a:p>
+          <a:p>
+            <a:r>
+              <a:rPr lang="en-US" dirty="0"/>
+              <a:t>Practice using the files checked into this directory</a:t>
+            </a:r>
+          </a:p>
+          <a:p>
+            <a:r>
+              <a:rPr lang="en-US" dirty="0">
+                <a:solidFill>
+                  <a:srgbClr val="005493"/>
+                </a:solidFill>
+              </a:rPr>
+              <a:t>Having good implementations of SAT-checking for decidable fragments of FOL is why formal methods and rigorous software testing have suddenly become practical!</a:t>
+            </a:r>
+          </a:p>
+          <a:p>
+            <a:r>
+              <a:rPr lang="en-US" dirty="0">
+                <a:solidFill>
+                  <a:srgbClr val="005493"/>
+                </a:solidFill>
+              </a:rPr>
+              <a:t>Alloy introduces a relational logic </a:t>
             </a:r>
           </a:p>
           <a:p>
             <a:pPr lvl="1"/>
             <a:r>
-              <a:rPr lang="en-US" dirty="0"/>
-              <a:t> exists x : p(x) and [all y : d(y) -&gt; l(</a:t>
-            </a:r>
-            <a:r>
-              <a:rPr lang="en-US" dirty="0" err="1"/>
-              <a:t>x,y</a:t>
-            </a:r>
-            <a:r>
-              <a:rPr lang="en-US" dirty="0"/>
-              <a:t>)] </a:t>
+              <a:rPr lang="en-US" dirty="0">
+                <a:solidFill>
+                  <a:schemeClr val="tx1"/>
+                </a:solidFill>
+              </a:rPr>
+              <a:t>FOL expression allowed, maybe even HOL</a:t>
             </a:r>
           </a:p>
           <a:p>
             <a:pPr lvl="1"/>
-            <a:endParaRPr lang="en-US" dirty="0"/>
-          </a:p>
-          <a:p>
-            <a:r>
-              <a:rPr lang="en-US" dirty="0"/>
-              <a:t>No patient likes a quack  </a:t>
+            <a:r>
+              <a:rPr lang="en-US" dirty="0">
+                <a:solidFill>
+                  <a:schemeClr val="tx1"/>
+                </a:solidFill>
+              </a:rPr>
+              <a:t>But all “proofs” are finite-model proofs </a:t>
+            </a:r>
+          </a:p>
+          <a:p>
+            <a:r>
+              <a:rPr lang="en-US" dirty="0"/>
+              <a:t>Moral: Know relations, functions, FOL, proofs </a:t>
             </a:r>
           </a:p>
           <a:p>
             <a:pPr lvl="1"/>
             <a:r>
-              <a:rPr lang="en-US" dirty="0"/>
-              <a:t>all </a:t>
-            </a:r>
-            <a:r>
-              <a:rPr lang="en-US" dirty="0" err="1"/>
-              <a:t>x,y</a:t>
-            </a:r>
-            <a:r>
-              <a:rPr lang="en-US" dirty="0"/>
-              <a:t> : [ p(x) &amp; q(y) =&gt; ! l(</a:t>
-            </a:r>
-            <a:r>
-              <a:rPr lang="en-US" dirty="0" err="1"/>
-              <a:t>x,y</a:t>
-            </a:r>
-            <a:r>
-              <a:rPr lang="en-US" dirty="0"/>
-              <a:t>) ]</a:t>
+              <a:rPr lang="en-US" dirty="0">
+                <a:solidFill>
+                  <a:srgbClr val="C00000"/>
+                </a:solidFill>
+              </a:rPr>
+              <a:t>To do well in software testing, specification, and correctness verification</a:t>
             </a:r>
           </a:p>
           <a:p>
             <a:pPr lvl="1"/>
-            <a:endParaRPr lang="en-US" dirty="0"/>
-          </a:p>
-          <a:p>
-            <a:r>
-              <a:rPr lang="en-US" dirty="0"/>
-              <a:t>Prove that no doctor is a quack</a:t>
-            </a:r>
-          </a:p>
-          <a:p>
-            <a:pPr lvl="1"/>
-            <a:r>
-              <a:rPr lang="en-US" dirty="0"/>
-              <a:t>Goal : prove that    all x : d(x) =&gt; !q(x)</a:t>
+            <a:r>
+              <a:rPr lang="en-US" dirty="0">
+                <a:solidFill>
+                  <a:srgbClr val="C00000"/>
+                </a:solidFill>
+              </a:rPr>
+              <a:t>“Noble bugs” a direct consequence of computability theory</a:t>
+            </a:r>
+          </a:p>
+          <a:p>
+            <a:pPr lvl="2"/>
+            <a:r>
+              <a:rPr lang="en-US" dirty="0">
+                <a:solidFill>
+                  <a:schemeClr val="tx1"/>
+                </a:solidFill>
+              </a:rPr>
+              <a:t>“Stupid bugs” arise due to the Towers of the Babel</a:t>
             </a:r>
           </a:p>
         </p:txBody>
@@ -8047,7 +8907,7 @@
     </p:spTree>
     <p:extLst>
       <p:ext uri="{BB962C8B-B14F-4D97-AF65-F5344CB8AC3E}">
-        <p14:creationId xmlns:p14="http://schemas.microsoft.com/office/powerpoint/2010/main" val="3975498927"/>
+        <p14:creationId xmlns:p14="http://schemas.microsoft.com/office/powerpoint/2010/main" val="1837160814"/>
       </p:ext>
     </p:extLst>
   </p:cSld>
@@ -8131,66 +8991,20 @@
         </p:nvSpPr>
         <p:spPr>
           <a:xfrm>
-            <a:off x="838199" y="1110343"/>
-            <a:ext cx="11198629" cy="5277394"/>
+            <a:off x="838200" y="1110343"/>
+            <a:ext cx="10996246" cy="5277394"/>
           </a:xfrm>
         </p:spPr>
         <p:txBody>
           <a:bodyPr>
-            <a:normAutofit lnSpcReduction="10000"/>
+            <a:normAutofit/>
           </a:bodyPr>
           <a:lstStyle/>
           <a:p>
             <a:r>
               <a:rPr lang="en-US" dirty="0"/>
-              <a:t>Reminder: P,  p,  d,  q,  l are the symbols we have so far</a:t>
-            </a:r>
-          </a:p>
-          <a:p>
-            <a:r>
-              <a:rPr lang="en-US" dirty="0"/>
-              <a:t>All quantification is over “P” or people</a:t>
-            </a:r>
-          </a:p>
-          <a:p>
-            <a:pPr marL="0" indent="0">
-              <a:buNone/>
-            </a:pPr>
-            <a:endParaRPr lang="en-US" dirty="0"/>
-          </a:p>
-          <a:p>
-            <a:r>
-              <a:rPr lang="en-US" dirty="0"/>
-              <a:t>Some patients like every doctor </a:t>
-            </a:r>
-          </a:p>
-          <a:p>
-            <a:pPr lvl="1"/>
-            <a:r>
-              <a:rPr lang="en-US" dirty="0"/>
-              <a:t> exists x : p(x) and [all y : d(y) -&gt; l(</a:t>
-            </a:r>
-            <a:r>
-              <a:rPr lang="en-US" dirty="0" err="1"/>
-              <a:t>x,y</a:t>
-            </a:r>
-            <a:r>
-              <a:rPr lang="en-US" dirty="0"/>
-              <a:t>)] </a:t>
-            </a:r>
-          </a:p>
-          <a:p>
-            <a:pPr lvl="2"/>
-            <a:r>
-              <a:rPr lang="en-US" dirty="0">
-                <a:sym typeface="Wingdings" pitchFamily="2" charset="2"/>
-              </a:rPr>
-              <a:t>question: Where else can we put “all y” ?</a:t>
-            </a:r>
-          </a:p>
-          <a:p>
-            <a:pPr lvl="1"/>
-            <a:endParaRPr lang="en-US" dirty="0"/>
+              <a:t>Some patients like every doctor  </a:t>
+            </a:r>
           </a:p>
           <a:p>
             <a:r>
@@ -8199,43 +9013,9 @@
             </a:r>
           </a:p>
           <a:p>
-            <a:pPr lvl="1"/>
-            <a:r>
-              <a:rPr lang="en-US" dirty="0"/>
-              <a:t>all </a:t>
-            </a:r>
-            <a:r>
-              <a:rPr lang="en-US" dirty="0" err="1"/>
-              <a:t>x,y</a:t>
-            </a:r>
-            <a:r>
-              <a:rPr lang="en-US" dirty="0"/>
-              <a:t> : [ p(x) &amp; q(y) =&gt; ! l(</a:t>
-            </a:r>
-            <a:r>
-              <a:rPr lang="en-US" dirty="0" err="1"/>
-              <a:t>x,y</a:t>
-            </a:r>
-            <a:r>
-              <a:rPr lang="en-US" dirty="0"/>
-              <a:t>) ]</a:t>
-            </a:r>
-          </a:p>
-          <a:p>
-            <a:pPr lvl="1"/>
-            <a:endParaRPr lang="en-US" dirty="0"/>
-          </a:p>
-          <a:p>
             <a:r>
               <a:rPr lang="en-US" dirty="0"/>
               <a:t>Prove that no doctor is a quack</a:t>
-            </a:r>
-          </a:p>
-          <a:p>
-            <a:pPr lvl="1"/>
-            <a:r>
-              <a:rPr lang="en-US" dirty="0"/>
-              <a:t>Goal : prove that    all x : d(x) =&gt; !q(x)</a:t>
             </a:r>
           </a:p>
         </p:txBody>
@@ -8243,7 +9023,7 @@
     </p:spTree>
     <p:extLst>
       <p:ext uri="{BB962C8B-B14F-4D97-AF65-F5344CB8AC3E}">
-        <p14:creationId xmlns:p14="http://schemas.microsoft.com/office/powerpoint/2010/main" val="174195624"/>
+        <p14:creationId xmlns:p14="http://schemas.microsoft.com/office/powerpoint/2010/main" val="270275656"/>
       </p:ext>
     </p:extLst>
   </p:cSld>
@@ -8333,38 +9113,45 @@
         </p:spPr>
         <p:txBody>
           <a:bodyPr>
-            <a:normAutofit fontScale="92500" lnSpcReduction="20000"/>
+            <a:normAutofit/>
           </a:bodyPr>
           <a:lstStyle/>
           <a:p>
             <a:r>
               <a:rPr lang="en-US" dirty="0"/>
-              <a:t>Reminder: P,  p,  d,  q,  l are the symbols we have so far</a:t>
-            </a:r>
-          </a:p>
-          <a:p>
-            <a:r>
-              <a:rPr lang="en-US" dirty="0"/>
-              <a:t>All quantification is over “P” or people</a:t>
-            </a:r>
-          </a:p>
-          <a:p>
-            <a:pPr marL="0" indent="0">
-              <a:buNone/>
-            </a:pPr>
-            <a:endParaRPr lang="en-US" dirty="0"/>
-          </a:p>
-          <a:p>
-            <a:r>
-              <a:rPr lang="en-US" dirty="0"/>
-              <a:t>Some patients like every doctor </a:t>
-            </a:r>
-          </a:p>
-          <a:p>
-            <a:pPr lvl="1"/>
-            <a:r>
-              <a:rPr lang="en-US" dirty="0"/>
-              <a:t> exists x : p(x) and [all y : d(y) -&gt; l(</a:t>
+              <a:t>Let “P” be people containing </a:t>
+            </a:r>
+            <a:r>
+              <a:rPr lang="en-US" dirty="0" err="1"/>
+              <a:t>x,y,z</a:t>
+            </a:r>
+            <a:r>
+              <a:rPr lang="en-US" dirty="0"/>
+              <a:t>, …</a:t>
+            </a:r>
+          </a:p>
+          <a:p>
+            <a:r>
+              <a:rPr lang="en-US" dirty="0"/>
+              <a:t>Let “p” be a patient-predicate – e.g. p(x)</a:t>
+            </a:r>
+          </a:p>
+          <a:p>
+            <a:r>
+              <a:rPr lang="en-US" dirty="0"/>
+              <a:t>Let “d” be a doctor-predicate – e.g. d(y)</a:t>
+            </a:r>
+          </a:p>
+          <a:p>
+            <a:r>
+              <a:rPr lang="en-US" dirty="0"/>
+              <a:t>Let “q” be a quack-predicate – e.g. q(z)</a:t>
+            </a:r>
+          </a:p>
+          <a:p>
+            <a:r>
+              <a:rPr lang="en-US" dirty="0"/>
+              <a:t>Let “l” be the likes-predicate – e.g. l(</a:t>
             </a:r>
             <a:r>
               <a:rPr lang="en-US" dirty="0" err="1"/>
@@ -8372,105 +9159,45 @@
             </a:r>
             <a:r>
               <a:rPr lang="en-US" dirty="0"/>
-              <a:t>)] </a:t>
-            </a:r>
-          </a:p>
-          <a:p>
-            <a:pPr lvl="2"/>
-            <a:r>
-              <a:rPr lang="en-US" dirty="0">
-                <a:sym typeface="Wingdings" pitchFamily="2" charset="2"/>
-              </a:rPr>
-              <a:t>question: Where else can we put “all y” ?</a:t>
-            </a:r>
-          </a:p>
-          <a:p>
-            <a:pPr lvl="2"/>
-            <a:r>
-              <a:rPr lang="en-US" dirty="0">
-                <a:sym typeface="Wingdings" pitchFamily="2" charset="2"/>
-              </a:rPr>
-              <a:t>Which of these “makes sense” </a:t>
-            </a:r>
-          </a:p>
-          <a:p>
-            <a:pPr lvl="3"/>
-            <a:r>
-              <a:rPr lang="en-US" dirty="0"/>
-              <a:t>exists x : all y: [ p(x) and [d(y) -&gt; l(</a:t>
+              <a:t>) [T/F], !l(</a:t>
             </a:r>
             <a:r>
               <a:rPr lang="en-US" dirty="0" err="1"/>
-              <a:t>x,y</a:t>
-            </a:r>
-            <a:r>
-              <a:rPr lang="en-US" dirty="0"/>
-              <a:t>) ] ]</a:t>
-            </a:r>
-          </a:p>
-          <a:p>
-            <a:pPr lvl="3"/>
-            <a:r>
-              <a:rPr lang="en-US" dirty="0"/>
-              <a:t>All y : exists x : [ p(x) and [d(y) -&gt; l(</a:t>
-            </a:r>
+              <a:t>x,z</a:t>
+            </a:r>
+            <a:r>
+              <a:rPr lang="en-US" dirty="0"/>
+              <a:t>) [T/F] etc..</a:t>
+            </a:r>
+          </a:p>
+          <a:p>
+            <a:r>
+              <a:rPr lang="en-US" dirty="0"/>
+              <a:t>Let’s now see how to model this problem</a:t>
+            </a:r>
+          </a:p>
+          <a:p>
             <a:r>
               <a:rPr lang="en-US" dirty="0" err="1"/>
-              <a:t>x,y</a:t>
-            </a:r>
-            <a:r>
-              <a:rPr lang="en-US" dirty="0"/>
-              <a:t>) ] ]</a:t>
-            </a:r>
-          </a:p>
-          <a:p>
-            <a:pPr lvl="1"/>
-            <a:endParaRPr lang="en-US" dirty="0"/>
-          </a:p>
-          <a:p>
-            <a:r>
-              <a:rPr lang="en-US" dirty="0"/>
-              <a:t>No patient likes a quack  </a:t>
-            </a:r>
-          </a:p>
-          <a:p>
-            <a:pPr lvl="1"/>
-            <a:r>
-              <a:rPr lang="en-US" dirty="0"/>
-              <a:t>all </a:t>
+              <a:t>Forall</a:t>
+            </a:r>
+            <a:r>
+              <a:rPr lang="en-US" dirty="0"/>
+              <a:t> = “all” and </a:t>
             </a:r>
             <a:r>
               <a:rPr lang="en-US" dirty="0" err="1"/>
-              <a:t>x,y</a:t>
-            </a:r>
-            <a:r>
-              <a:rPr lang="en-US" dirty="0"/>
-              <a:t> : [ p(x) &amp; q(y) =&gt; ! l(</a:t>
-            </a:r>
-            <a:r>
-              <a:rPr lang="en-US" dirty="0" err="1"/>
-              <a:t>x,y</a:t>
-            </a:r>
-            <a:r>
-              <a:rPr lang="en-US" dirty="0"/>
-              <a:t>) ]</a:t>
-            </a:r>
-          </a:p>
-          <a:p>
-            <a:pPr lvl="1"/>
-            <a:endParaRPr lang="en-US" dirty="0"/>
-          </a:p>
-          <a:p>
-            <a:r>
-              <a:rPr lang="en-US" dirty="0"/>
-              <a:t>Prove that no doctor is a quack</a:t>
-            </a:r>
-          </a:p>
-          <a:p>
-            <a:pPr lvl="1"/>
-            <a:r>
-              <a:rPr lang="en-US" dirty="0"/>
-              <a:t>Goal : prove that    all x : d(x) =&gt; !q(x)</a:t>
+              <a:t>ThereExists</a:t>
+            </a:r>
+            <a:r>
+              <a:rPr lang="en-US" dirty="0"/>
+              <a:t> = ”exists”</a:t>
+            </a:r>
+          </a:p>
+          <a:p>
+            <a:r>
+              <a:rPr lang="en-US" dirty="0"/>
+              <a:t>In Alloy it is all / some</a:t>
             </a:r>
           </a:p>
         </p:txBody>
@@ -8478,7 +9205,7 @@
     </p:spTree>
     <p:extLst>
       <p:ext uri="{BB962C8B-B14F-4D97-AF65-F5344CB8AC3E}">
-        <p14:creationId xmlns:p14="http://schemas.microsoft.com/office/powerpoint/2010/main" val="4190752794"/>
+        <p14:creationId xmlns:p14="http://schemas.microsoft.com/office/powerpoint/2010/main" val="2854068349"/>
       </p:ext>
     </p:extLst>
   </p:cSld>
@@ -8539,7 +9266,7 @@
                   <a:srgbClr val="0432FF"/>
                 </a:solidFill>
               </a:rPr>
-              <a:t>Example of FOL (“classical”): Proof by contra</a:t>
+              <a:t>An example of FOL (“classical”)</a:t>
             </a:r>
           </a:p>
         </p:txBody>
@@ -8574,7 +9301,32 @@
           <a:p>
             <a:r>
               <a:rPr lang="en-US" dirty="0"/>
-              <a:t>A1: exists x : p(x) and [all y : d(y) -&gt; l(</a:t>
+              <a:t>Reminder: P,  p,  d,  q,  l are the symbols we have so far</a:t>
+            </a:r>
+          </a:p>
+          <a:p>
+            <a:r>
+              <a:rPr lang="en-US" dirty="0"/>
+              <a:t>All quantification is over “P” or people</a:t>
+            </a:r>
+          </a:p>
+          <a:p>
+            <a:pPr marL="0" indent="0">
+              <a:buNone/>
+            </a:pPr>
+            <a:endParaRPr lang="en-US" dirty="0"/>
+          </a:p>
+          <a:p>
+            <a:r>
+              <a:rPr lang="en-US" dirty="0"/>
+              <a:t>Some patients like every doctor </a:t>
+            </a:r>
+          </a:p>
+          <a:p>
+            <a:pPr lvl="1"/>
+            <a:r>
+              <a:rPr lang="en-US" dirty="0"/>
+              <a:t> exists x : p(x) and [all y : d(y) -&gt; l(</a:t>
             </a:r>
             <a:r>
               <a:rPr lang="en-US" dirty="0" err="1"/>
@@ -8586,60 +9338,33 @@
             </a:r>
           </a:p>
           <a:p>
-            <a:r>
-              <a:rPr lang="en-US" dirty="0"/>
-              <a:t>A2: all </a:t>
-            </a:r>
-            <a:r>
-              <a:rPr lang="en-US" dirty="0" err="1"/>
-              <a:t>x,y</a:t>
-            </a:r>
-            <a:r>
-              <a:rPr lang="en-US" dirty="0"/>
-              <a:t> : [ p(x) &amp; q(y) =&gt; ! l(</a:t>
-            </a:r>
-            <a:r>
-              <a:rPr lang="en-US" dirty="0" err="1"/>
-              <a:t>x,y</a:t>
-            </a:r>
-            <a:r>
-              <a:rPr lang="en-US" dirty="0"/>
-              <a:t>) ]</a:t>
-            </a:r>
-          </a:p>
-          <a:p>
-            <a:r>
-              <a:rPr lang="en-US" dirty="0"/>
-              <a:t>G: all x : d(x) =&gt; !q(x)</a:t>
-            </a:r>
-          </a:p>
-          <a:p>
-            <a:r>
-              <a:rPr lang="en-US" dirty="0"/>
-              <a:t>NG: …give it a shot…</a:t>
-            </a:r>
-          </a:p>
-          <a:p>
+            <a:pPr lvl="1"/>
             <a:endParaRPr lang="en-US" dirty="0"/>
           </a:p>
           <a:p>
             <a:r>
               <a:rPr lang="en-US" dirty="0"/>
-              <a:t>A1 </a:t>
-            </a:r>
-            <a:r>
-              <a:rPr lang="en-US" dirty="0" err="1"/>
-              <a:t>skolemize</a:t>
-            </a:r>
-            <a:r>
-              <a:rPr lang="en-US" dirty="0"/>
-              <a:t> x with p0</a:t>
-            </a:r>
-          </a:p>
-          <a:p>
-            <a:r>
-              <a:rPr lang="en-US" dirty="0"/>
-              <a:t>A1sk: p(p0) and [all y : d(y) -&gt; l(p0,y)]</a:t>
+              <a:t>No patient likes a quack  </a:t>
+            </a:r>
+          </a:p>
+          <a:p>
+            <a:pPr lvl="1"/>
+            <a:r>
+              <a:rPr lang="en-US" dirty="0"/>
+              <a:t>… give it a shot …</a:t>
+            </a:r>
+          </a:p>
+          <a:p>
+            <a:r>
+              <a:rPr lang="en-US" dirty="0"/>
+              <a:t>Prove that no doctor is a quack</a:t>
+            </a:r>
+          </a:p>
+          <a:p>
+            <a:pPr lvl="1"/>
+            <a:r>
+              <a:rPr lang="en-US" dirty="0"/>
+              <a:t>… state the proof-goal in FOL – give it a shot …</a:t>
             </a:r>
           </a:p>
         </p:txBody>
@@ -8647,7 +9372,7 @@
     </p:spTree>
     <p:extLst>
       <p:ext uri="{BB962C8B-B14F-4D97-AF65-F5344CB8AC3E}">
-        <p14:creationId xmlns:p14="http://schemas.microsoft.com/office/powerpoint/2010/main" val="3698819707"/>
+        <p14:creationId xmlns:p14="http://schemas.microsoft.com/office/powerpoint/2010/main" val="4207230269"/>
       </p:ext>
     </p:extLst>
   </p:cSld>
